--- a/DatabasesProject.pptx
+++ b/DatabasesProject.pptx
@@ -12,18 +12,23 @@
     <p:sldId id="268" r:id="rId6"/>
     <p:sldId id="269" r:id="rId7"/>
     <p:sldId id="270" r:id="rId8"/>
-    <p:sldId id="271" r:id="rId9"/>
-    <p:sldId id="273" r:id="rId10"/>
-    <p:sldId id="272" r:id="rId11"/>
-    <p:sldId id="274" r:id="rId12"/>
-    <p:sldId id="258" r:id="rId13"/>
-    <p:sldId id="263" r:id="rId14"/>
-    <p:sldId id="259" r:id="rId15"/>
-    <p:sldId id="260" r:id="rId16"/>
-    <p:sldId id="261" r:id="rId17"/>
-    <p:sldId id="264" r:id="rId18"/>
-    <p:sldId id="265" r:id="rId19"/>
-    <p:sldId id="266" r:id="rId20"/>
+    <p:sldId id="275" r:id="rId9"/>
+    <p:sldId id="271" r:id="rId10"/>
+    <p:sldId id="273" r:id="rId11"/>
+    <p:sldId id="277" r:id="rId12"/>
+    <p:sldId id="278" r:id="rId13"/>
+    <p:sldId id="279" r:id="rId14"/>
+    <p:sldId id="280" r:id="rId15"/>
+    <p:sldId id="272" r:id="rId16"/>
+    <p:sldId id="274" r:id="rId17"/>
+    <p:sldId id="258" r:id="rId18"/>
+    <p:sldId id="263" r:id="rId19"/>
+    <p:sldId id="259" r:id="rId20"/>
+    <p:sldId id="260" r:id="rId21"/>
+    <p:sldId id="261" r:id="rId22"/>
+    <p:sldId id="264" r:id="rId23"/>
+    <p:sldId id="265" r:id="rId24"/>
+    <p:sldId id="266" r:id="rId25"/>
   </p:sldIdLst>
   <p:sldSz cx="9144000" cy="6858000" type="screen4x3"/>
   <p:notesSz cx="6858000" cy="9144000"/>
@@ -306,7 +311,7 @@
           <a:p>
             <a:fld id="{D6B25C9D-6390-1048-B94A-F650566E4531}" type="datetimeFigureOut">
               <a:rPr lang="en-US" smtClean="0"/>
-              <a:t>11/29/16</a:t>
+              <a:t>11/30/16</a:t>
             </a:fld>
             <a:endParaRPr lang="en-US"/>
           </a:p>
@@ -476,7 +481,7 @@
           <a:p>
             <a:fld id="{D6B25C9D-6390-1048-B94A-F650566E4531}" type="datetimeFigureOut">
               <a:rPr lang="en-US" smtClean="0"/>
-              <a:t>11/29/16</a:t>
+              <a:t>11/30/16</a:t>
             </a:fld>
             <a:endParaRPr lang="en-US"/>
           </a:p>
@@ -656,7 +661,7 @@
           <a:p>
             <a:fld id="{D6B25C9D-6390-1048-B94A-F650566E4531}" type="datetimeFigureOut">
               <a:rPr lang="en-US" smtClean="0"/>
-              <a:t>11/29/16</a:t>
+              <a:t>11/30/16</a:t>
             </a:fld>
             <a:endParaRPr lang="en-US"/>
           </a:p>
@@ -826,7 +831,7 @@
           <a:p>
             <a:fld id="{D6B25C9D-6390-1048-B94A-F650566E4531}" type="datetimeFigureOut">
               <a:rPr lang="en-US" smtClean="0"/>
-              <a:t>11/29/16</a:t>
+              <a:t>11/30/16</a:t>
             </a:fld>
             <a:endParaRPr lang="en-US"/>
           </a:p>
@@ -1072,7 +1077,7 @@
           <a:p>
             <a:fld id="{D6B25C9D-6390-1048-B94A-F650566E4531}" type="datetimeFigureOut">
               <a:rPr lang="en-US" smtClean="0"/>
-              <a:t>11/29/16</a:t>
+              <a:t>11/30/16</a:t>
             </a:fld>
             <a:endParaRPr lang="en-US"/>
           </a:p>
@@ -1360,7 +1365,7 @@
           <a:p>
             <a:fld id="{D6B25C9D-6390-1048-B94A-F650566E4531}" type="datetimeFigureOut">
               <a:rPr lang="en-US" smtClean="0"/>
-              <a:t>11/29/16</a:t>
+              <a:t>11/30/16</a:t>
             </a:fld>
             <a:endParaRPr lang="en-US"/>
           </a:p>
@@ -1782,7 +1787,7 @@
           <a:p>
             <a:fld id="{D6B25C9D-6390-1048-B94A-F650566E4531}" type="datetimeFigureOut">
               <a:rPr lang="en-US" smtClean="0"/>
-              <a:t>11/29/16</a:t>
+              <a:t>11/30/16</a:t>
             </a:fld>
             <a:endParaRPr lang="en-US"/>
           </a:p>
@@ -1900,7 +1905,7 @@
           <a:p>
             <a:fld id="{D6B25C9D-6390-1048-B94A-F650566E4531}" type="datetimeFigureOut">
               <a:rPr lang="en-US" smtClean="0"/>
-              <a:t>11/29/16</a:t>
+              <a:t>11/30/16</a:t>
             </a:fld>
             <a:endParaRPr lang="en-US"/>
           </a:p>
@@ -1995,7 +2000,7 @@
           <a:p>
             <a:fld id="{D6B25C9D-6390-1048-B94A-F650566E4531}" type="datetimeFigureOut">
               <a:rPr lang="en-US" smtClean="0"/>
-              <a:t>11/29/16</a:t>
+              <a:t>11/30/16</a:t>
             </a:fld>
             <a:endParaRPr lang="en-US"/>
           </a:p>
@@ -2272,7 +2277,7 @@
           <a:p>
             <a:fld id="{D6B25C9D-6390-1048-B94A-F650566E4531}" type="datetimeFigureOut">
               <a:rPr lang="en-US" smtClean="0"/>
-              <a:t>11/29/16</a:t>
+              <a:t>11/30/16</a:t>
             </a:fld>
             <a:endParaRPr lang="en-US"/>
           </a:p>
@@ -2525,7 +2530,7 @@
           <a:p>
             <a:fld id="{D6B25C9D-6390-1048-B94A-F650566E4531}" type="datetimeFigureOut">
               <a:rPr lang="en-US" smtClean="0"/>
-              <a:t>11/29/16</a:t>
+              <a:t>11/30/16</a:t>
             </a:fld>
             <a:endParaRPr lang="en-US"/>
           </a:p>
@@ -2738,7 +2743,7 @@
           <a:p>
             <a:fld id="{D6B25C9D-6390-1048-B94A-F650566E4531}" type="datetimeFigureOut">
               <a:rPr lang="en-US" smtClean="0"/>
-              <a:t>11/29/16</a:t>
+              <a:t>11/30/16</a:t>
             </a:fld>
             <a:endParaRPr lang="en-US"/>
           </a:p>
@@ -3206,135 +3211,172 @@
           <a:p>
             <a:r>
               <a:rPr lang="en-US" dirty="0" smtClean="0"/>
-              <a:t>Scoring formula</a:t>
+              <a:t>Browse by state</a:t>
             </a:r>
             <a:endParaRPr lang="en-US" dirty="0"/>
           </a:p>
         </p:txBody>
       </p:sp>
-      <p:sp>
-        <p:nvSpPr>
-          <p:cNvPr id="3" name="Content Placeholder 2"/>
-          <p:cNvSpPr>
-            <a:spLocks noGrp="1"/>
-          </p:cNvSpPr>
-          <p:nvPr>
-            <p:ph idx="1"/>
-          </p:nvPr>
-        </p:nvSpPr>
-        <p:spPr/>
-        <p:txBody>
-          <a:bodyPr>
-            <a:normAutofit fontScale="85000" lnSpcReduction="10000"/>
+      <p:pic>
+        <p:nvPicPr>
+          <p:cNvPr id="5" name="Picture 4" descr="Screen Shot 2016-11-29 at 5.37.15 PM.png"/>
+          <p:cNvPicPr>
+            <a:picLocks noChangeAspect="1"/>
+          </p:cNvPicPr>
+          <p:nvPr/>
+        </p:nvPicPr>
+        <p:blipFill>
+          <a:blip r:embed="rId2">
+            <a:extLst>
+              <a:ext uri="{28A0092B-C50C-407E-A947-70E740481C1C}">
+                <a14:useLocalDpi xmlns:a14="http://schemas.microsoft.com/office/drawing/2010/main" val="0"/>
+              </a:ext>
+            </a:extLst>
+          </a:blip>
+          <a:stretch>
+            <a:fillRect/>
+          </a:stretch>
+        </p:blipFill>
+        <p:spPr>
+          <a:xfrm>
+            <a:off x="110967" y="1417638"/>
+            <a:ext cx="8921168" cy="4943814"/>
+          </a:xfrm>
+          <a:prstGeom prst="rect">
+            <a:avLst/>
+          </a:prstGeom>
+        </p:spPr>
+      </p:pic>
+      <p:sp>
+        <p:nvSpPr>
+          <p:cNvPr id="4" name="TextBox 3"/>
+          <p:cNvSpPr txBox="1"/>
+          <p:nvPr/>
+        </p:nvSpPr>
+        <p:spPr>
+          <a:xfrm>
+            <a:off x="998529" y="960282"/>
+            <a:ext cx="761747" cy="369332"/>
+          </a:xfrm>
+          <a:prstGeom prst="rect">
+            <a:avLst/>
+          </a:prstGeom>
+          <a:noFill/>
+        </p:spPr>
+        <p:txBody>
+          <a:bodyPr wrap="none" rtlCol="0">
+            <a:spAutoFit/>
           </a:bodyPr>
           <a:lstStyle/>
           <a:p>
             <a:r>
               <a:rPr lang="en-US" dirty="0" smtClean="0"/>
-              <a:t>Return on investment score = </a:t>
-            </a:r>
-            <a:r>
-              <a:rPr lang="en-US" dirty="0" smtClean="0"/>
-              <a:t>1 - 1 / ((</a:t>
-            </a:r>
-            <a:r>
-              <a:rPr lang="en-US" dirty="0" err="1" smtClean="0"/>
-              <a:t>school.salary_twentyfive</a:t>
-            </a:r>
-            <a:r>
-              <a:rPr lang="en-US" dirty="0" smtClean="0"/>
-              <a:t> + </a:t>
-            </a:r>
-            <a:r>
-              <a:rPr lang="en-US" dirty="0" err="1" smtClean="0"/>
-              <a:t>school.salary_seventyfive</a:t>
-            </a:r>
-            <a:r>
-              <a:rPr lang="en-US" dirty="0" smtClean="0"/>
-              <a:t>) / 2 / ((</a:t>
-            </a:r>
-            <a:r>
-              <a:rPr lang="en-US" dirty="0" err="1" smtClean="0"/>
-              <a:t>school.in_state_tuition</a:t>
-            </a:r>
-            <a:r>
-              <a:rPr lang="en-US" dirty="0" smtClean="0"/>
-              <a:t> + </a:t>
-            </a:r>
-            <a:r>
-              <a:rPr lang="en-US" dirty="0" err="1" smtClean="0"/>
-              <a:t>school.out_of_state_tuition</a:t>
-            </a:r>
-            <a:r>
-              <a:rPr lang="en-US" dirty="0" smtClean="0"/>
-              <a:t>) / 2)) / 5</a:t>
-            </a:r>
-            <a:endParaRPr lang="en-US" dirty="0" smtClean="0"/>
-          </a:p>
-          <a:p>
-            <a:r>
-              <a:rPr lang="en-US" dirty="0" smtClean="0"/>
-              <a:t>Cost score = 1 - 1 / (100000 / ((</a:t>
-            </a:r>
-            <a:r>
-              <a:rPr lang="en-US" dirty="0" err="1" smtClean="0"/>
-              <a:t>school.in_state_tuition</a:t>
-            </a:r>
-            <a:r>
-              <a:rPr lang="en-US" dirty="0" smtClean="0"/>
-              <a:t> + </a:t>
-            </a:r>
-            <a:r>
-              <a:rPr lang="en-US" dirty="0" err="1" smtClean="0"/>
-              <a:t>school.out_of_state_tuition</a:t>
-            </a:r>
-            <a:r>
-              <a:rPr lang="en-US" dirty="0" smtClean="0"/>
-              <a:t> + 2 * </a:t>
-            </a:r>
-            <a:r>
-              <a:rPr lang="en-US" dirty="0" err="1" smtClean="0"/>
-              <a:t>school.average_student_debt</a:t>
-            </a:r>
-            <a:r>
-              <a:rPr lang="en-US" dirty="0" smtClean="0"/>
-              <a:t>) / 4))</a:t>
-            </a:r>
-          </a:p>
-          <a:p>
-            <a:r>
-              <a:rPr lang="en-US" dirty="0" smtClean="0"/>
-              <a:t>State score is calculated based upon the average salary</a:t>
-            </a:r>
-          </a:p>
-          <a:p>
-            <a:r>
-              <a:rPr lang="en-US" dirty="0" smtClean="0"/>
-              <a:t>Graduation score = </a:t>
-            </a:r>
-            <a:r>
-              <a:rPr lang="en-US" dirty="0" err="1" smtClean="0"/>
-              <a:t>school.graduation_rate</a:t>
-            </a:r>
-            <a:endParaRPr lang="en-US" dirty="0" smtClean="0"/>
-          </a:p>
-          <a:p>
-            <a:r>
-              <a:rPr lang="en-US" dirty="0" smtClean="0"/>
-              <a:t>Retention score = </a:t>
-            </a:r>
-            <a:r>
-              <a:rPr lang="en-US" dirty="0" err="1" smtClean="0"/>
-              <a:t>school.retention_rate</a:t>
-            </a:r>
-            <a:endParaRPr lang="en-US" dirty="0" smtClean="0"/>
-          </a:p>
-        </p:txBody>
-      </p:sp>
+              <a:t>Filters</a:t>
+            </a:r>
+            <a:endParaRPr lang="en-US" dirty="0"/>
+          </a:p>
+        </p:txBody>
+      </p:sp>
+      <p:sp>
+        <p:nvSpPr>
+          <p:cNvPr id="6" name="TextBox 5"/>
+          <p:cNvSpPr txBox="1"/>
+          <p:nvPr/>
+        </p:nvSpPr>
+        <p:spPr>
+          <a:xfrm>
+            <a:off x="7718380" y="960282"/>
+            <a:ext cx="851515" cy="369332"/>
+          </a:xfrm>
+          <a:prstGeom prst="rect">
+            <a:avLst/>
+          </a:prstGeom>
+          <a:noFill/>
+        </p:spPr>
+        <p:txBody>
+          <a:bodyPr wrap="none" rtlCol="0">
+            <a:spAutoFit/>
+          </a:bodyPr>
+          <a:lstStyle/>
+          <a:p>
+            <a:r>
+              <a:rPr lang="en-US" dirty="0" smtClean="0"/>
+              <a:t>Submit</a:t>
+            </a:r>
+            <a:endParaRPr lang="en-US" dirty="0"/>
+          </a:p>
+        </p:txBody>
+      </p:sp>
+      <p:cxnSp>
+        <p:nvCxnSpPr>
+          <p:cNvPr id="7" name="Straight Arrow Connector 6"/>
+          <p:cNvCxnSpPr/>
+          <p:nvPr/>
+        </p:nvCxnSpPr>
+        <p:spPr>
+          <a:xfrm flipH="1">
+            <a:off x="5770291" y="1329614"/>
+            <a:ext cx="2108375" cy="1321119"/>
+          </a:xfrm>
+          <a:prstGeom prst="straightConnector1">
+            <a:avLst/>
+          </a:prstGeom>
+          <a:ln>
+            <a:tailEnd type="arrow"/>
+          </a:ln>
+        </p:spPr>
+        <p:style>
+          <a:lnRef idx="2">
+            <a:schemeClr val="accent1"/>
+          </a:lnRef>
+          <a:fillRef idx="0">
+            <a:schemeClr val="accent1"/>
+          </a:fillRef>
+          <a:effectRef idx="1">
+            <a:schemeClr val="accent1"/>
+          </a:effectRef>
+          <a:fontRef idx="minor">
+            <a:schemeClr val="tx1"/>
+          </a:fontRef>
+        </p:style>
+      </p:cxnSp>
+      <p:cxnSp>
+        <p:nvCxnSpPr>
+          <p:cNvPr id="9" name="Straight Arrow Connector 8"/>
+          <p:cNvCxnSpPr/>
+          <p:nvPr/>
+        </p:nvCxnSpPr>
+        <p:spPr>
+          <a:xfrm>
+            <a:off x="1541210" y="1329614"/>
+            <a:ext cx="1812463" cy="1321119"/>
+          </a:xfrm>
+          <a:prstGeom prst="straightConnector1">
+            <a:avLst/>
+          </a:prstGeom>
+          <a:ln>
+            <a:tailEnd type="arrow"/>
+          </a:ln>
+        </p:spPr>
+        <p:style>
+          <a:lnRef idx="2">
+            <a:schemeClr val="accent1"/>
+          </a:lnRef>
+          <a:fillRef idx="0">
+            <a:schemeClr val="accent1"/>
+          </a:fillRef>
+          <a:effectRef idx="1">
+            <a:schemeClr val="accent1"/>
+          </a:effectRef>
+          <a:fontRef idx="minor">
+            <a:schemeClr val="tx1"/>
+          </a:fontRef>
+        </p:style>
+      </p:cxnSp>
     </p:spTree>
     <p:extLst>
       <p:ext uri="{BB962C8B-B14F-4D97-AF65-F5344CB8AC3E}">
-        <p14:creationId xmlns:p14="http://schemas.microsoft.com/office/powerpoint/2010/main" val="1293191677"/>
+        <p14:creationId xmlns:p14="http://schemas.microsoft.com/office/powerpoint/2010/main" val="4120673905"/>
       </p:ext>
     </p:extLst>
   </p:cSld>
@@ -3378,7 +3420,7 @@
           <a:p>
             <a:r>
               <a:rPr lang="en-US" dirty="0" smtClean="0"/>
-              <a:t>Scoring formula continued</a:t>
+              <a:t>Sample Workflow</a:t>
             </a:r>
             <a:endParaRPr lang="en-US" dirty="0"/>
           </a:p>
@@ -3403,33 +3445,43 @@
           <a:p>
             <a:r>
               <a:rPr lang="en-US" dirty="0" smtClean="0"/>
-              <a:t>Total score = .2 * return on investment score + .1 * cost score + .1 * state score + .3 * graduation score + .3 * retention score</a:t>
-            </a:r>
-          </a:p>
-          <a:p>
-            <a:r>
-              <a:rPr lang="en-US" dirty="0" smtClean="0"/>
-              <a:t>The graduation and retention scores are weighted highly.</a:t>
-            </a:r>
-          </a:p>
-          <a:p>
-            <a:r>
-              <a:rPr lang="en-US" dirty="0" smtClean="0"/>
-              <a:t>This prevents cheap but low quality schools (low graduation and retention rate) from rising to the top.</a:t>
-            </a:r>
-          </a:p>
-          <a:p>
-            <a:r>
-              <a:rPr lang="en-US" dirty="0" smtClean="0"/>
-              <a:t>Takes into account average cost of the school, average student debt, </a:t>
-            </a:r>
-            <a:r>
-              <a:rPr lang="en-US" dirty="0" smtClean="0"/>
-              <a:t>average income of graduates, </a:t>
-            </a:r>
-            <a:r>
-              <a:rPr lang="en-US" dirty="0" smtClean="0"/>
-              <a:t>average income of location, retention rate, graduation rate</a:t>
+              <a:t>Student wants to gather a list of schools to apply to.</a:t>
+            </a:r>
+          </a:p>
+          <a:p>
+            <a:r>
+              <a:rPr lang="en-US" dirty="0" smtClean="0"/>
+              <a:t>Lives in New Jersey</a:t>
+            </a:r>
+          </a:p>
+          <a:p>
+            <a:r>
+              <a:rPr lang="en-US" dirty="0" smtClean="0"/>
+              <a:t>Has a budget of $20,000 a year and wants to go to school in New Jersey</a:t>
+            </a:r>
+          </a:p>
+          <a:p>
+            <a:r>
+              <a:rPr lang="en-US" dirty="0" smtClean="0"/>
+              <a:t>Wants a salary of at least $40,000 a year after graduation</a:t>
+            </a:r>
+          </a:p>
+          <a:p>
+            <a:r>
+              <a:rPr lang="en-US" dirty="0" smtClean="0"/>
+              <a:t>Wants to find the list of schools that are the best value</a:t>
+            </a:r>
+          </a:p>
+          <a:p>
+            <a:r>
+              <a:rPr lang="en-US" dirty="0" smtClean="0"/>
+              <a:t>Goes to the browse page to get a list</a:t>
+            </a:r>
+          </a:p>
+          <a:p>
+            <a:r>
+              <a:rPr lang="en-US" dirty="0" smtClean="0"/>
+              <a:t>Can see how the cost for each school compares by inspecting the colors</a:t>
             </a:r>
             <a:endParaRPr lang="en-US" dirty="0"/>
           </a:p>
@@ -3438,7 +3490,7 @@
     </p:spTree>
     <p:extLst>
       <p:ext uri="{BB962C8B-B14F-4D97-AF65-F5344CB8AC3E}">
-        <p14:creationId xmlns:p14="http://schemas.microsoft.com/office/powerpoint/2010/main" val="3380708625"/>
+        <p14:creationId xmlns:p14="http://schemas.microsoft.com/office/powerpoint/2010/main" val="3178520858"/>
       </p:ext>
     </p:extLst>
   </p:cSld>
@@ -3482,7 +3534,7 @@
           <a:p>
             <a:r>
               <a:rPr lang="en-US" dirty="0" smtClean="0"/>
-              <a:t>Architecture</a:t>
+              <a:t>Sample Workflow</a:t>
             </a:r>
             <a:endParaRPr lang="en-US" dirty="0"/>
           </a:p>
@@ -3503,74 +3555,14 @@
           <a:bodyPr/>
           <a:lstStyle/>
           <a:p>
-            <a:r>
-              <a:rPr lang="en-US" dirty="0" smtClean="0"/>
-              <a:t>Standard HTML/CSS, </a:t>
-            </a:r>
-            <a:r>
-              <a:rPr lang="en-US" dirty="0" err="1" smtClean="0"/>
-              <a:t>Javascript</a:t>
-            </a:r>
-            <a:r>
-              <a:rPr lang="en-US" dirty="0" smtClean="0"/>
-              <a:t> front end</a:t>
-            </a:r>
-          </a:p>
-          <a:p>
-            <a:r>
-              <a:rPr lang="en-US" dirty="0" err="1" smtClean="0"/>
-              <a:t>AngularJS</a:t>
-            </a:r>
-            <a:r>
-              <a:rPr lang="en-US" dirty="0" smtClean="0"/>
-              <a:t> as a front end framework</a:t>
-            </a:r>
-          </a:p>
-          <a:p>
-            <a:r>
-              <a:rPr lang="en-US" dirty="0" smtClean="0"/>
-              <a:t>Bootstrap, </a:t>
-            </a:r>
-            <a:r>
-              <a:rPr lang="en-US" dirty="0" err="1" smtClean="0"/>
-              <a:t>Chart.JS</a:t>
-            </a:r>
-            <a:r>
-              <a:rPr lang="en-US" dirty="0" smtClean="0"/>
-              <a:t> for UI elements</a:t>
-            </a:r>
-          </a:p>
-          <a:p>
-            <a:r>
-              <a:rPr lang="en-US" dirty="0" err="1" smtClean="0"/>
-              <a:t>JQuery</a:t>
-            </a:r>
-            <a:r>
-              <a:rPr lang="en-US" dirty="0" smtClean="0"/>
-              <a:t> animations</a:t>
-            </a:r>
-          </a:p>
-          <a:p>
-            <a:r>
-              <a:rPr lang="en-US" dirty="0" smtClean="0"/>
-              <a:t>Google Maps API</a:t>
-            </a:r>
-          </a:p>
-          <a:p>
-            <a:r>
-              <a:rPr lang="en-US" dirty="0" smtClean="0"/>
-              <a:t>AJAX requests to PHP backend which communicates with MySQL database</a:t>
-            </a:r>
-          </a:p>
-          <a:p>
-            <a:endParaRPr lang="en-US" dirty="0"/>
+            <a:endParaRPr lang="en-US"/>
           </a:p>
         </p:txBody>
       </p:sp>
     </p:spTree>
     <p:extLst>
       <p:ext uri="{BB962C8B-B14F-4D97-AF65-F5344CB8AC3E}">
-        <p14:creationId xmlns:p14="http://schemas.microsoft.com/office/powerpoint/2010/main" val="3960642796"/>
+        <p14:creationId xmlns:p14="http://schemas.microsoft.com/office/powerpoint/2010/main" val="3614374807"/>
       </p:ext>
     </p:extLst>
   </p:cSld>
@@ -3614,6 +3606,573 @@
           <a:p>
             <a:r>
               <a:rPr lang="en-US" dirty="0" smtClean="0"/>
+              <a:t>Another sample workflow</a:t>
+            </a:r>
+            <a:endParaRPr lang="en-US" dirty="0"/>
+          </a:p>
+        </p:txBody>
+      </p:sp>
+      <p:sp>
+        <p:nvSpPr>
+          <p:cNvPr id="3" name="Content Placeholder 2"/>
+          <p:cNvSpPr>
+            <a:spLocks noGrp="1"/>
+          </p:cNvSpPr>
+          <p:nvPr>
+            <p:ph idx="1"/>
+          </p:nvPr>
+        </p:nvSpPr>
+        <p:spPr/>
+        <p:txBody>
+          <a:bodyPr/>
+          <a:lstStyle/>
+          <a:p>
+            <a:r>
+              <a:rPr lang="en-US" dirty="0" smtClean="0"/>
+              <a:t>A student just got back application results</a:t>
+            </a:r>
+          </a:p>
+          <a:p>
+            <a:r>
+              <a:rPr lang="en-US" dirty="0" smtClean="0"/>
+              <a:t>Wants to choose between schools</a:t>
+            </a:r>
+          </a:p>
+          <a:p>
+            <a:r>
+              <a:rPr lang="en-US" dirty="0" smtClean="0"/>
+              <a:t>Can go to the map and check the surrounding area and get specific information about their schools</a:t>
+            </a:r>
+          </a:p>
+          <a:p>
+            <a:r>
+              <a:rPr lang="en-US" dirty="0" smtClean="0"/>
+              <a:t>Can compare schools that the student is accepted to</a:t>
+            </a:r>
+          </a:p>
+          <a:p>
+            <a:r>
+              <a:rPr lang="en-US" dirty="0" smtClean="0"/>
+              <a:t>Help the student make a decision</a:t>
+            </a:r>
+            <a:endParaRPr lang="en-US" dirty="0"/>
+          </a:p>
+        </p:txBody>
+      </p:sp>
+    </p:spTree>
+    <p:extLst>
+      <p:ext uri="{BB962C8B-B14F-4D97-AF65-F5344CB8AC3E}">
+        <p14:creationId xmlns:p14="http://schemas.microsoft.com/office/powerpoint/2010/main" val="4033275066"/>
+      </p:ext>
+    </p:extLst>
+  </p:cSld>
+  <p:clrMapOvr>
+    <a:masterClrMapping/>
+  </p:clrMapOvr>
+</p:sld>
+</file>
+
+<file path=ppt/slides/slide14.xml><?xml version="1.0" encoding="utf-8"?>
+<p:sld xmlns:a="http://schemas.openxmlformats.org/drawingml/2006/main" xmlns:r="http://schemas.openxmlformats.org/officeDocument/2006/relationships" xmlns:p="http://schemas.openxmlformats.org/presentationml/2006/main">
+  <p:cSld>
+    <p:spTree>
+      <p:nvGrpSpPr>
+        <p:cNvPr id="1" name=""/>
+        <p:cNvGrpSpPr/>
+        <p:nvPr/>
+      </p:nvGrpSpPr>
+      <p:grpSpPr>
+        <a:xfrm>
+          <a:off x="0" y="0"/>
+          <a:ext cx="0" cy="0"/>
+          <a:chOff x="0" y="0"/>
+          <a:chExt cx="0" cy="0"/>
+        </a:xfrm>
+      </p:grpSpPr>
+      <p:sp>
+        <p:nvSpPr>
+          <p:cNvPr id="2" name="Title 1"/>
+          <p:cNvSpPr>
+            <a:spLocks noGrp="1"/>
+          </p:cNvSpPr>
+          <p:nvPr>
+            <p:ph type="title"/>
+          </p:nvPr>
+        </p:nvSpPr>
+        <p:spPr/>
+        <p:txBody>
+          <a:bodyPr/>
+          <a:lstStyle/>
+          <a:p>
+            <a:r>
+              <a:rPr lang="en-US" dirty="0" smtClean="0"/>
+              <a:t>Another sample workflow</a:t>
+            </a:r>
+            <a:endParaRPr lang="en-US" dirty="0"/>
+          </a:p>
+        </p:txBody>
+      </p:sp>
+      <p:sp>
+        <p:nvSpPr>
+          <p:cNvPr id="3" name="Content Placeholder 2"/>
+          <p:cNvSpPr>
+            <a:spLocks noGrp="1"/>
+          </p:cNvSpPr>
+          <p:nvPr>
+            <p:ph idx="1"/>
+          </p:nvPr>
+        </p:nvSpPr>
+        <p:spPr/>
+        <p:txBody>
+          <a:bodyPr/>
+          <a:lstStyle/>
+          <a:p>
+            <a:endParaRPr lang="en-US"/>
+          </a:p>
+        </p:txBody>
+      </p:sp>
+    </p:spTree>
+    <p:extLst>
+      <p:ext uri="{BB962C8B-B14F-4D97-AF65-F5344CB8AC3E}">
+        <p14:creationId xmlns:p14="http://schemas.microsoft.com/office/powerpoint/2010/main" val="1858046638"/>
+      </p:ext>
+    </p:extLst>
+  </p:cSld>
+  <p:clrMapOvr>
+    <a:masterClrMapping/>
+  </p:clrMapOvr>
+</p:sld>
+</file>
+
+<file path=ppt/slides/slide15.xml><?xml version="1.0" encoding="utf-8"?>
+<p:sld xmlns:a="http://schemas.openxmlformats.org/drawingml/2006/main" xmlns:r="http://schemas.openxmlformats.org/officeDocument/2006/relationships" xmlns:p="http://schemas.openxmlformats.org/presentationml/2006/main">
+  <p:cSld>
+    <p:spTree>
+      <p:nvGrpSpPr>
+        <p:cNvPr id="1" name=""/>
+        <p:cNvGrpSpPr/>
+        <p:nvPr/>
+      </p:nvGrpSpPr>
+      <p:grpSpPr>
+        <a:xfrm>
+          <a:off x="0" y="0"/>
+          <a:ext cx="0" cy="0"/>
+          <a:chOff x="0" y="0"/>
+          <a:chExt cx="0" cy="0"/>
+        </a:xfrm>
+      </p:grpSpPr>
+      <p:sp>
+        <p:nvSpPr>
+          <p:cNvPr id="2" name="Title 1"/>
+          <p:cNvSpPr>
+            <a:spLocks noGrp="1"/>
+          </p:cNvSpPr>
+          <p:nvPr>
+            <p:ph type="title"/>
+          </p:nvPr>
+        </p:nvSpPr>
+        <p:spPr/>
+        <p:txBody>
+          <a:bodyPr/>
+          <a:lstStyle/>
+          <a:p>
+            <a:r>
+              <a:rPr lang="en-US" dirty="0" smtClean="0"/>
+              <a:t>Scoring formula</a:t>
+            </a:r>
+            <a:endParaRPr lang="en-US" dirty="0"/>
+          </a:p>
+        </p:txBody>
+      </p:sp>
+      <p:sp>
+        <p:nvSpPr>
+          <p:cNvPr id="3" name="Content Placeholder 2"/>
+          <p:cNvSpPr>
+            <a:spLocks noGrp="1"/>
+          </p:cNvSpPr>
+          <p:nvPr>
+            <p:ph idx="1"/>
+          </p:nvPr>
+        </p:nvSpPr>
+        <p:spPr/>
+        <p:txBody>
+          <a:bodyPr>
+            <a:normAutofit fontScale="85000" lnSpcReduction="10000"/>
+          </a:bodyPr>
+          <a:lstStyle/>
+          <a:p>
+            <a:r>
+              <a:rPr lang="en-US" dirty="0" smtClean="0"/>
+              <a:t>Return on investment score = 1 - 1 / ((</a:t>
+            </a:r>
+            <a:r>
+              <a:rPr lang="en-US" dirty="0" err="1" smtClean="0"/>
+              <a:t>school.salary_twentyfive</a:t>
+            </a:r>
+            <a:r>
+              <a:rPr lang="en-US" dirty="0" smtClean="0"/>
+              <a:t> + </a:t>
+            </a:r>
+            <a:r>
+              <a:rPr lang="en-US" dirty="0" err="1" smtClean="0"/>
+              <a:t>school.salary_seventyfive</a:t>
+            </a:r>
+            <a:r>
+              <a:rPr lang="en-US" dirty="0" smtClean="0"/>
+              <a:t>) / 2 / ((</a:t>
+            </a:r>
+            <a:r>
+              <a:rPr lang="en-US" dirty="0" err="1" smtClean="0"/>
+              <a:t>school.in_state_tuition</a:t>
+            </a:r>
+            <a:r>
+              <a:rPr lang="en-US" dirty="0" smtClean="0"/>
+              <a:t> + </a:t>
+            </a:r>
+            <a:r>
+              <a:rPr lang="en-US" dirty="0" err="1" smtClean="0"/>
+              <a:t>school.out_of_state_tuition</a:t>
+            </a:r>
+            <a:r>
+              <a:rPr lang="en-US" dirty="0" smtClean="0"/>
+              <a:t>) / 2)) / 5</a:t>
+            </a:r>
+          </a:p>
+          <a:p>
+            <a:r>
+              <a:rPr lang="en-US" dirty="0" smtClean="0"/>
+              <a:t>Cost score = 1 - 1 / (100000 / ((</a:t>
+            </a:r>
+            <a:r>
+              <a:rPr lang="en-US" dirty="0" err="1" smtClean="0"/>
+              <a:t>school.in_state_tuition</a:t>
+            </a:r>
+            <a:r>
+              <a:rPr lang="en-US" dirty="0" smtClean="0"/>
+              <a:t> + </a:t>
+            </a:r>
+            <a:r>
+              <a:rPr lang="en-US" dirty="0" err="1" smtClean="0"/>
+              <a:t>school.out_of_state_tuition</a:t>
+            </a:r>
+            <a:r>
+              <a:rPr lang="en-US" dirty="0" smtClean="0"/>
+              <a:t> + 2 * </a:t>
+            </a:r>
+            <a:r>
+              <a:rPr lang="en-US" dirty="0" err="1" smtClean="0"/>
+              <a:t>school.average_student_debt</a:t>
+            </a:r>
+            <a:r>
+              <a:rPr lang="en-US" dirty="0" smtClean="0"/>
+              <a:t>) / 4))</a:t>
+            </a:r>
+          </a:p>
+          <a:p>
+            <a:r>
+              <a:rPr lang="en-US" dirty="0" smtClean="0"/>
+              <a:t>State score is calculated based upon the average salary</a:t>
+            </a:r>
+          </a:p>
+          <a:p>
+            <a:r>
+              <a:rPr lang="en-US" dirty="0" smtClean="0"/>
+              <a:t>Graduation score = </a:t>
+            </a:r>
+            <a:r>
+              <a:rPr lang="en-US" dirty="0" err="1" smtClean="0"/>
+              <a:t>school.graduation_rate</a:t>
+            </a:r>
+            <a:endParaRPr lang="en-US" dirty="0" smtClean="0"/>
+          </a:p>
+          <a:p>
+            <a:r>
+              <a:rPr lang="en-US" dirty="0" smtClean="0"/>
+              <a:t>Retention score = </a:t>
+            </a:r>
+            <a:r>
+              <a:rPr lang="en-US" dirty="0" err="1" smtClean="0"/>
+              <a:t>school.retention_rate</a:t>
+            </a:r>
+            <a:endParaRPr lang="en-US" dirty="0" smtClean="0"/>
+          </a:p>
+        </p:txBody>
+      </p:sp>
+    </p:spTree>
+    <p:extLst>
+      <p:ext uri="{BB962C8B-B14F-4D97-AF65-F5344CB8AC3E}">
+        <p14:creationId xmlns:p14="http://schemas.microsoft.com/office/powerpoint/2010/main" val="1293191677"/>
+      </p:ext>
+    </p:extLst>
+  </p:cSld>
+  <p:clrMapOvr>
+    <a:masterClrMapping/>
+  </p:clrMapOvr>
+</p:sld>
+</file>
+
+<file path=ppt/slides/slide16.xml><?xml version="1.0" encoding="utf-8"?>
+<p:sld xmlns:a="http://schemas.openxmlformats.org/drawingml/2006/main" xmlns:r="http://schemas.openxmlformats.org/officeDocument/2006/relationships" xmlns:p="http://schemas.openxmlformats.org/presentationml/2006/main">
+  <p:cSld>
+    <p:spTree>
+      <p:nvGrpSpPr>
+        <p:cNvPr id="1" name=""/>
+        <p:cNvGrpSpPr/>
+        <p:nvPr/>
+      </p:nvGrpSpPr>
+      <p:grpSpPr>
+        <a:xfrm>
+          <a:off x="0" y="0"/>
+          <a:ext cx="0" cy="0"/>
+          <a:chOff x="0" y="0"/>
+          <a:chExt cx="0" cy="0"/>
+        </a:xfrm>
+      </p:grpSpPr>
+      <p:sp>
+        <p:nvSpPr>
+          <p:cNvPr id="2" name="Title 1"/>
+          <p:cNvSpPr>
+            <a:spLocks noGrp="1"/>
+          </p:cNvSpPr>
+          <p:nvPr>
+            <p:ph type="title"/>
+          </p:nvPr>
+        </p:nvSpPr>
+        <p:spPr/>
+        <p:txBody>
+          <a:bodyPr/>
+          <a:lstStyle/>
+          <a:p>
+            <a:r>
+              <a:rPr lang="en-US" dirty="0" smtClean="0"/>
+              <a:t>Scoring formula continued</a:t>
+            </a:r>
+            <a:endParaRPr lang="en-US" dirty="0"/>
+          </a:p>
+        </p:txBody>
+      </p:sp>
+      <p:sp>
+        <p:nvSpPr>
+          <p:cNvPr id="3" name="Content Placeholder 2"/>
+          <p:cNvSpPr>
+            <a:spLocks noGrp="1"/>
+          </p:cNvSpPr>
+          <p:nvPr>
+            <p:ph idx="1"/>
+          </p:nvPr>
+        </p:nvSpPr>
+        <p:spPr/>
+        <p:txBody>
+          <a:bodyPr>
+            <a:normAutofit fontScale="85000" lnSpcReduction="10000"/>
+          </a:bodyPr>
+          <a:lstStyle/>
+          <a:p>
+            <a:r>
+              <a:rPr lang="en-US" dirty="0" smtClean="0"/>
+              <a:t>Total score = .2 * return on investment score + .1 * cost score + .1 * state score + .3 * graduation score + .3 * retention score</a:t>
+            </a:r>
+          </a:p>
+          <a:p>
+            <a:r>
+              <a:rPr lang="en-US" dirty="0" smtClean="0"/>
+              <a:t>The graduation and retention scores are weighted highly.</a:t>
+            </a:r>
+          </a:p>
+          <a:p>
+            <a:r>
+              <a:rPr lang="en-US" dirty="0" smtClean="0"/>
+              <a:t>This prevents cheap but low quality schools (low graduation and retention rate) from rising to the top.</a:t>
+            </a:r>
+          </a:p>
+          <a:p>
+            <a:r>
+              <a:rPr lang="en-US" dirty="0" smtClean="0"/>
+              <a:t>Takes into account average cost of the school, average student debt, average income of graduates, average income of location, retention rate, graduation rate</a:t>
+            </a:r>
+            <a:endParaRPr lang="en-US" dirty="0"/>
+          </a:p>
+        </p:txBody>
+      </p:sp>
+    </p:spTree>
+    <p:extLst>
+      <p:ext uri="{BB962C8B-B14F-4D97-AF65-F5344CB8AC3E}">
+        <p14:creationId xmlns:p14="http://schemas.microsoft.com/office/powerpoint/2010/main" val="3380708625"/>
+      </p:ext>
+    </p:extLst>
+  </p:cSld>
+  <p:clrMapOvr>
+    <a:masterClrMapping/>
+  </p:clrMapOvr>
+</p:sld>
+</file>
+
+<file path=ppt/slides/slide17.xml><?xml version="1.0" encoding="utf-8"?>
+<p:sld xmlns:a="http://schemas.openxmlformats.org/drawingml/2006/main" xmlns:r="http://schemas.openxmlformats.org/officeDocument/2006/relationships" xmlns:p="http://schemas.openxmlformats.org/presentationml/2006/main">
+  <p:cSld>
+    <p:spTree>
+      <p:nvGrpSpPr>
+        <p:cNvPr id="1" name=""/>
+        <p:cNvGrpSpPr/>
+        <p:nvPr/>
+      </p:nvGrpSpPr>
+      <p:grpSpPr>
+        <a:xfrm>
+          <a:off x="0" y="0"/>
+          <a:ext cx="0" cy="0"/>
+          <a:chOff x="0" y="0"/>
+          <a:chExt cx="0" cy="0"/>
+        </a:xfrm>
+      </p:grpSpPr>
+      <p:sp>
+        <p:nvSpPr>
+          <p:cNvPr id="2" name="Title 1"/>
+          <p:cNvSpPr>
+            <a:spLocks noGrp="1"/>
+          </p:cNvSpPr>
+          <p:nvPr>
+            <p:ph type="title"/>
+          </p:nvPr>
+        </p:nvSpPr>
+        <p:spPr/>
+        <p:txBody>
+          <a:bodyPr/>
+          <a:lstStyle/>
+          <a:p>
+            <a:r>
+              <a:rPr lang="en-US" dirty="0" smtClean="0"/>
+              <a:t>Architecture</a:t>
+            </a:r>
+            <a:endParaRPr lang="en-US" dirty="0"/>
+          </a:p>
+        </p:txBody>
+      </p:sp>
+      <p:sp>
+        <p:nvSpPr>
+          <p:cNvPr id="3" name="Content Placeholder 2"/>
+          <p:cNvSpPr>
+            <a:spLocks noGrp="1"/>
+          </p:cNvSpPr>
+          <p:nvPr>
+            <p:ph idx="1"/>
+          </p:nvPr>
+        </p:nvSpPr>
+        <p:spPr/>
+        <p:txBody>
+          <a:bodyPr/>
+          <a:lstStyle/>
+          <a:p>
+            <a:r>
+              <a:rPr lang="en-US" dirty="0" smtClean="0"/>
+              <a:t>Standard HTML/CSS, </a:t>
+            </a:r>
+            <a:r>
+              <a:rPr lang="en-US" dirty="0" err="1" smtClean="0"/>
+              <a:t>Javascript</a:t>
+            </a:r>
+            <a:r>
+              <a:rPr lang="en-US" dirty="0" smtClean="0"/>
+              <a:t> front end</a:t>
+            </a:r>
+          </a:p>
+          <a:p>
+            <a:r>
+              <a:rPr lang="en-US" dirty="0" err="1" smtClean="0"/>
+              <a:t>AngularJS</a:t>
+            </a:r>
+            <a:r>
+              <a:rPr lang="en-US" dirty="0" smtClean="0"/>
+              <a:t> as a front end framework</a:t>
+            </a:r>
+          </a:p>
+          <a:p>
+            <a:r>
+              <a:rPr lang="en-US" dirty="0" smtClean="0"/>
+              <a:t>Bootstrap, </a:t>
+            </a:r>
+            <a:r>
+              <a:rPr lang="en-US" dirty="0" err="1" smtClean="0"/>
+              <a:t>Chart.JS</a:t>
+            </a:r>
+            <a:r>
+              <a:rPr lang="en-US" dirty="0" smtClean="0"/>
+              <a:t> for UI elements</a:t>
+            </a:r>
+          </a:p>
+          <a:p>
+            <a:r>
+              <a:rPr lang="en-US" dirty="0" err="1" smtClean="0"/>
+              <a:t>JQuery</a:t>
+            </a:r>
+            <a:r>
+              <a:rPr lang="en-US" dirty="0" smtClean="0"/>
+              <a:t> animations</a:t>
+            </a:r>
+          </a:p>
+          <a:p>
+            <a:r>
+              <a:rPr lang="en-US" dirty="0" smtClean="0"/>
+              <a:t>Google Maps API</a:t>
+            </a:r>
+          </a:p>
+          <a:p>
+            <a:r>
+              <a:rPr lang="en-US" dirty="0" smtClean="0"/>
+              <a:t>AJAX requests to PHP backend which communicates with MySQL database</a:t>
+            </a:r>
+          </a:p>
+          <a:p>
+            <a:endParaRPr lang="en-US" dirty="0"/>
+          </a:p>
+        </p:txBody>
+      </p:sp>
+    </p:spTree>
+    <p:extLst>
+      <p:ext uri="{BB962C8B-B14F-4D97-AF65-F5344CB8AC3E}">
+        <p14:creationId xmlns:p14="http://schemas.microsoft.com/office/powerpoint/2010/main" val="3960642796"/>
+      </p:ext>
+    </p:extLst>
+  </p:cSld>
+  <p:clrMapOvr>
+    <a:masterClrMapping/>
+  </p:clrMapOvr>
+</p:sld>
+</file>
+
+<file path=ppt/slides/slide18.xml><?xml version="1.0" encoding="utf-8"?>
+<p:sld xmlns:a="http://schemas.openxmlformats.org/drawingml/2006/main" xmlns:r="http://schemas.openxmlformats.org/officeDocument/2006/relationships" xmlns:p="http://schemas.openxmlformats.org/presentationml/2006/main">
+  <p:cSld>
+    <p:spTree>
+      <p:nvGrpSpPr>
+        <p:cNvPr id="1" name=""/>
+        <p:cNvGrpSpPr/>
+        <p:nvPr/>
+      </p:nvGrpSpPr>
+      <p:grpSpPr>
+        <a:xfrm>
+          <a:off x="0" y="0"/>
+          <a:ext cx="0" cy="0"/>
+          <a:chOff x="0" y="0"/>
+          <a:chExt cx="0" cy="0"/>
+        </a:xfrm>
+      </p:grpSpPr>
+      <p:sp>
+        <p:nvSpPr>
+          <p:cNvPr id="2" name="Title 1"/>
+          <p:cNvSpPr>
+            <a:spLocks noGrp="1"/>
+          </p:cNvSpPr>
+          <p:nvPr>
+            <p:ph type="title"/>
+          </p:nvPr>
+        </p:nvSpPr>
+        <p:spPr/>
+        <p:txBody>
+          <a:bodyPr/>
+          <a:lstStyle/>
+          <a:p>
+            <a:r>
+              <a:rPr lang="en-US" dirty="0" smtClean="0"/>
               <a:t>Platform and Design</a:t>
             </a:r>
             <a:endParaRPr lang="en-US" dirty="0"/>
@@ -3645,7 +4204,6 @@
               <a:rPr lang="en-US" dirty="0" smtClean="0"/>
               <a:t>MySQL instance run on AWS using RDS</a:t>
             </a:r>
-            <a:endParaRPr lang="en-US" dirty="0" smtClean="0"/>
           </a:p>
           <a:p>
             <a:r>
@@ -4099,994 +4657,6 @@
 </p:sld>
 </file>
 
-<file path=ppt/slides/slide14.xml><?xml version="1.0" encoding="utf-8"?>
-<p:sld xmlns:a="http://schemas.openxmlformats.org/drawingml/2006/main" xmlns:r="http://schemas.openxmlformats.org/officeDocument/2006/relationships" xmlns:p="http://schemas.openxmlformats.org/presentationml/2006/main">
-  <p:cSld>
-    <p:spTree>
-      <p:nvGrpSpPr>
-        <p:cNvPr id="1" name=""/>
-        <p:cNvGrpSpPr/>
-        <p:nvPr/>
-      </p:nvGrpSpPr>
-      <p:grpSpPr>
-        <a:xfrm>
-          <a:off x="0" y="0"/>
-          <a:ext cx="0" cy="0"/>
-          <a:chOff x="0" y="0"/>
-          <a:chExt cx="0" cy="0"/>
-        </a:xfrm>
-      </p:grpSpPr>
-      <p:sp>
-        <p:nvSpPr>
-          <p:cNvPr id="2" name="Title 1"/>
-          <p:cNvSpPr>
-            <a:spLocks noGrp="1"/>
-          </p:cNvSpPr>
-          <p:nvPr>
-            <p:ph type="title"/>
-          </p:nvPr>
-        </p:nvSpPr>
-        <p:spPr/>
-        <p:txBody>
-          <a:bodyPr/>
-          <a:lstStyle/>
-          <a:p>
-            <a:r>
-              <a:rPr lang="en-US" dirty="0" smtClean="0"/>
-              <a:t>Data Sources</a:t>
-            </a:r>
-            <a:endParaRPr lang="en-US" dirty="0"/>
-          </a:p>
-        </p:txBody>
-      </p:sp>
-      <p:sp>
-        <p:nvSpPr>
-          <p:cNvPr id="3" name="Content Placeholder 2"/>
-          <p:cNvSpPr>
-            <a:spLocks noGrp="1"/>
-          </p:cNvSpPr>
-          <p:nvPr>
-            <p:ph idx="1"/>
-          </p:nvPr>
-        </p:nvSpPr>
-        <p:spPr/>
-        <p:txBody>
-          <a:bodyPr>
-            <a:noAutofit/>
-          </a:bodyPr>
-          <a:lstStyle/>
-          <a:p>
-            <a:r>
-              <a:rPr lang="en-US" dirty="0" smtClean="0"/>
-              <a:t>School data: </a:t>
-            </a:r>
-            <a:r>
-              <a:rPr lang="en-US" dirty="0" smtClean="0">
-                <a:hlinkClick r:id="rId2"/>
-              </a:rPr>
-              <a:t>https://catalog.data.gov/dataset/college-scorecard</a:t>
-            </a:r>
-            <a:endParaRPr lang="en-US" dirty="0"/>
-          </a:p>
-          <a:p>
-            <a:r>
-              <a:rPr lang="en-US" dirty="0" smtClean="0"/>
-              <a:t>State data: </a:t>
-            </a:r>
-            <a:r>
-              <a:rPr lang="en-US" dirty="0" smtClean="0">
-                <a:hlinkClick r:id="rId3"/>
-              </a:rPr>
-              <a:t>https://en.wikipedia.org/wiki/List_of_U.S._states_by_income</a:t>
-            </a:r>
-            <a:endParaRPr lang="en-US" dirty="0"/>
-          </a:p>
-          <a:p>
-            <a:r>
-              <a:rPr lang="en-US" dirty="0" smtClean="0"/>
-              <a:t>State codes: </a:t>
-            </a:r>
-            <a:r>
-              <a:rPr lang="en-US" dirty="0" smtClean="0">
-                <a:hlinkClick r:id="rId4"/>
-              </a:rPr>
-              <a:t>https://www.census.gov/geo/reference/ansi_statetables.html</a:t>
-            </a:r>
-            <a:endParaRPr lang="en-US" dirty="0"/>
-          </a:p>
-        </p:txBody>
-      </p:sp>
-    </p:spTree>
-    <p:extLst>
-      <p:ext uri="{BB962C8B-B14F-4D97-AF65-F5344CB8AC3E}">
-        <p14:creationId xmlns:p14="http://schemas.microsoft.com/office/powerpoint/2010/main" val="341228686"/>
-      </p:ext>
-    </p:extLst>
-  </p:cSld>
-  <p:clrMapOvr>
-    <a:masterClrMapping/>
-  </p:clrMapOvr>
-</p:sld>
-</file>
-
-<file path=ppt/slides/slide15.xml><?xml version="1.0" encoding="utf-8"?>
-<p:sld xmlns:a="http://schemas.openxmlformats.org/drawingml/2006/main" xmlns:r="http://schemas.openxmlformats.org/officeDocument/2006/relationships" xmlns:p="http://schemas.openxmlformats.org/presentationml/2006/main">
-  <p:cSld>
-    <p:spTree>
-      <p:nvGrpSpPr>
-        <p:cNvPr id="1" name=""/>
-        <p:cNvGrpSpPr/>
-        <p:nvPr/>
-      </p:nvGrpSpPr>
-      <p:grpSpPr>
-        <a:xfrm>
-          <a:off x="0" y="0"/>
-          <a:ext cx="0" cy="0"/>
-          <a:chOff x="0" y="0"/>
-          <a:chExt cx="0" cy="0"/>
-        </a:xfrm>
-      </p:grpSpPr>
-      <p:sp>
-        <p:nvSpPr>
-          <p:cNvPr id="2" name="Title 1"/>
-          <p:cNvSpPr>
-            <a:spLocks noGrp="1"/>
-          </p:cNvSpPr>
-          <p:nvPr>
-            <p:ph type="title"/>
-          </p:nvPr>
-        </p:nvSpPr>
-        <p:spPr/>
-        <p:txBody>
-          <a:bodyPr/>
-          <a:lstStyle/>
-          <a:p>
-            <a:r>
-              <a:rPr lang="en-US" dirty="0" smtClean="0"/>
-              <a:t>Database Schema</a:t>
-            </a:r>
-            <a:endParaRPr lang="en-US" dirty="0"/>
-          </a:p>
-        </p:txBody>
-      </p:sp>
-      <p:sp>
-        <p:nvSpPr>
-          <p:cNvPr id="3" name="Content Placeholder 2"/>
-          <p:cNvSpPr>
-            <a:spLocks noGrp="1"/>
-          </p:cNvSpPr>
-          <p:nvPr>
-            <p:ph idx="1"/>
-          </p:nvPr>
-        </p:nvSpPr>
-        <p:spPr/>
-        <p:txBody>
-          <a:bodyPr>
-            <a:normAutofit/>
-          </a:bodyPr>
-          <a:lstStyle/>
-          <a:p>
-            <a:r>
-              <a:rPr lang="en-US" sz="2400" dirty="0"/>
-              <a:t>SCHOOLS[name, latitude, longitude, city, locale, </a:t>
-            </a:r>
-            <a:r>
-              <a:rPr lang="en-US" sz="2400" dirty="0" err="1"/>
-              <a:t>in_state_tuition</a:t>
-            </a:r>
-            <a:r>
-              <a:rPr lang="en-US" sz="2400" dirty="0"/>
-              <a:t>, </a:t>
-            </a:r>
-            <a:r>
-              <a:rPr lang="en-US" sz="2400" dirty="0" err="1"/>
-              <a:t>out_of_state_tuition</a:t>
-            </a:r>
-            <a:r>
-              <a:rPr lang="en-US" sz="2400" dirty="0"/>
-              <a:t>, type, homepage, </a:t>
-            </a:r>
-            <a:r>
-              <a:rPr lang="en-US" sz="2400" dirty="0" err="1"/>
-              <a:t>graudation_rate</a:t>
-            </a:r>
-            <a:r>
-              <a:rPr lang="en-US" sz="2400" dirty="0"/>
-              <a:t>, </a:t>
-            </a:r>
-            <a:r>
-              <a:rPr lang="en-US" sz="2400" dirty="0" err="1"/>
-              <a:t>retention_rate</a:t>
-            </a:r>
-            <a:r>
-              <a:rPr lang="en-US" sz="2400" dirty="0"/>
-              <a:t>, </a:t>
-            </a:r>
-            <a:r>
-              <a:rPr lang="en-US" sz="2400" dirty="0" err="1"/>
-              <a:t>admission_rate</a:t>
-            </a:r>
-            <a:r>
-              <a:rPr lang="en-US" sz="2400" dirty="0"/>
-              <a:t>, </a:t>
-            </a:r>
-            <a:r>
-              <a:rPr lang="en-US" sz="2400" dirty="0" err="1"/>
-              <a:t>average_student_debt</a:t>
-            </a:r>
-            <a:r>
-              <a:rPr lang="en-US" sz="2400" dirty="0"/>
-              <a:t>, </a:t>
-            </a:r>
-            <a:r>
-              <a:rPr lang="en-US" sz="2400" dirty="0" err="1"/>
-              <a:t>salary_ten</a:t>
-            </a:r>
-            <a:r>
-              <a:rPr lang="en-US" sz="2400" dirty="0"/>
-              <a:t>, </a:t>
-            </a:r>
-            <a:r>
-              <a:rPr lang="en-US" sz="2400" dirty="0" err="1"/>
-              <a:t>salary_twentyfive</a:t>
-            </a:r>
-            <a:r>
-              <a:rPr lang="en-US" sz="2400" dirty="0"/>
-              <a:t>, </a:t>
-            </a:r>
-            <a:r>
-              <a:rPr lang="en-US" sz="2400" dirty="0" err="1"/>
-              <a:t>salary_seventyfive</a:t>
-            </a:r>
-            <a:r>
-              <a:rPr lang="en-US" sz="2400" dirty="0"/>
-              <a:t>, </a:t>
-            </a:r>
-            <a:r>
-              <a:rPr lang="en-US" sz="2400" dirty="0" err="1"/>
-              <a:t>salary_ninety</a:t>
-            </a:r>
-            <a:r>
-              <a:rPr lang="en-US" sz="2400" dirty="0"/>
-              <a:t>, </a:t>
-            </a:r>
-            <a:r>
-              <a:rPr lang="en-US" sz="2400" dirty="0" err="1"/>
-              <a:t>drr_oneyr</a:t>
-            </a:r>
-            <a:r>
-              <a:rPr lang="en-US" sz="2400" dirty="0"/>
-              <a:t>, </a:t>
-            </a:r>
-            <a:r>
-              <a:rPr lang="en-US" sz="2400" dirty="0" err="1"/>
-              <a:t>drr_threeyr</a:t>
-            </a:r>
-            <a:r>
-              <a:rPr lang="en-US" sz="2400" dirty="0"/>
-              <a:t>, </a:t>
-            </a:r>
-            <a:r>
-              <a:rPr lang="en-US" sz="2400" dirty="0" err="1"/>
-              <a:t>drr_fiveyr</a:t>
-            </a:r>
-            <a:r>
-              <a:rPr lang="en-US" sz="2400" dirty="0"/>
-              <a:t>, </a:t>
-            </a:r>
-            <a:r>
-              <a:rPr lang="en-US" sz="2400" dirty="0" err="1"/>
-              <a:t>drr_sevenyr</a:t>
-            </a:r>
-            <a:r>
-              <a:rPr lang="en-US" sz="2400" dirty="0"/>
-              <a:t>] </a:t>
-            </a:r>
-            <a:endParaRPr lang="en-US" sz="2400" dirty="0" smtClean="0">
-              <a:effectLst/>
-            </a:endParaRPr>
-          </a:p>
-          <a:p>
-            <a:r>
-              <a:rPr lang="en-US" sz="2400" dirty="0"/>
-              <a:t>LOCATED[school, </a:t>
-            </a:r>
-            <a:r>
-              <a:rPr lang="en-US" sz="2400" dirty="0" err="1"/>
-              <a:t>state_code</a:t>
-            </a:r>
-            <a:r>
-              <a:rPr lang="en-US" sz="2400" dirty="0"/>
-              <a:t>] </a:t>
-            </a:r>
-            <a:endParaRPr lang="en-US" sz="2400" dirty="0" smtClean="0"/>
-          </a:p>
-          <a:p>
-            <a:r>
-              <a:rPr lang="en-US" sz="2400" dirty="0" smtClean="0"/>
-              <a:t>STATES[name, code, </a:t>
-            </a:r>
-            <a:r>
-              <a:rPr lang="en-US" sz="2400" dirty="0" err="1" smtClean="0"/>
-              <a:t>avg_salary</a:t>
-            </a:r>
-            <a:r>
-              <a:rPr lang="en-US" sz="2400" dirty="0" smtClean="0"/>
-              <a:t>, score] </a:t>
-            </a:r>
-            <a:endParaRPr lang="en-US" sz="2400" dirty="0" smtClean="0">
-              <a:effectLst/>
-            </a:endParaRPr>
-          </a:p>
-          <a:p>
-            <a:pPr marL="0" indent="0">
-              <a:buNone/>
-            </a:pPr>
-            <a:endParaRPr lang="en-US" dirty="0"/>
-          </a:p>
-        </p:txBody>
-      </p:sp>
-    </p:spTree>
-    <p:extLst>
-      <p:ext uri="{BB962C8B-B14F-4D97-AF65-F5344CB8AC3E}">
-        <p14:creationId xmlns:p14="http://schemas.microsoft.com/office/powerpoint/2010/main" val="3245006831"/>
-      </p:ext>
-    </p:extLst>
-  </p:cSld>
-  <p:clrMapOvr>
-    <a:masterClrMapping/>
-  </p:clrMapOvr>
-</p:sld>
-</file>
-
-<file path=ppt/slides/slide16.xml><?xml version="1.0" encoding="utf-8"?>
-<p:sld xmlns:a="http://schemas.openxmlformats.org/drawingml/2006/main" xmlns:r="http://schemas.openxmlformats.org/officeDocument/2006/relationships" xmlns:p="http://schemas.openxmlformats.org/presentationml/2006/main">
-  <p:cSld>
-    <p:spTree>
-      <p:nvGrpSpPr>
-        <p:cNvPr id="1" name=""/>
-        <p:cNvGrpSpPr/>
-        <p:nvPr/>
-      </p:nvGrpSpPr>
-      <p:grpSpPr>
-        <a:xfrm>
-          <a:off x="0" y="0"/>
-          <a:ext cx="0" cy="0"/>
-          <a:chOff x="0" y="0"/>
-          <a:chExt cx="0" cy="0"/>
-        </a:xfrm>
-      </p:grpSpPr>
-      <p:sp>
-        <p:nvSpPr>
-          <p:cNvPr id="2" name="Title 1"/>
-          <p:cNvSpPr>
-            <a:spLocks noGrp="1"/>
-          </p:cNvSpPr>
-          <p:nvPr>
-            <p:ph type="title"/>
-          </p:nvPr>
-        </p:nvSpPr>
-        <p:spPr/>
-        <p:txBody>
-          <a:bodyPr/>
-          <a:lstStyle/>
-          <a:p>
-            <a:r>
-              <a:rPr lang="en-US" dirty="0" smtClean="0"/>
-              <a:t>Queries</a:t>
-            </a:r>
-            <a:endParaRPr lang="en-US" dirty="0"/>
-          </a:p>
-        </p:txBody>
-      </p:sp>
-      <p:sp>
-        <p:nvSpPr>
-          <p:cNvPr id="3" name="Content Placeholder 2"/>
-          <p:cNvSpPr>
-            <a:spLocks noGrp="1"/>
-          </p:cNvSpPr>
-          <p:nvPr>
-            <p:ph idx="1"/>
-          </p:nvPr>
-        </p:nvSpPr>
-        <p:spPr/>
-        <p:txBody>
-          <a:bodyPr/>
-          <a:lstStyle/>
-          <a:p>
-            <a:r>
-              <a:rPr lang="en-US" dirty="0" smtClean="0"/>
-              <a:t>To prevent SQL injection vulnerability, we use prepared queries</a:t>
-            </a:r>
-          </a:p>
-          <a:p>
-            <a:r>
-              <a:rPr lang="en-US" dirty="0" smtClean="0"/>
-              <a:t>‘?’ gets replaced with input</a:t>
-            </a:r>
-          </a:p>
-        </p:txBody>
-      </p:sp>
-    </p:spTree>
-    <p:extLst>
-      <p:ext uri="{BB962C8B-B14F-4D97-AF65-F5344CB8AC3E}">
-        <p14:creationId xmlns:p14="http://schemas.microsoft.com/office/powerpoint/2010/main" val="2301232322"/>
-      </p:ext>
-    </p:extLst>
-  </p:cSld>
-  <p:clrMapOvr>
-    <a:masterClrMapping/>
-  </p:clrMapOvr>
-</p:sld>
-</file>
-
-<file path=ppt/slides/slide17.xml><?xml version="1.0" encoding="utf-8"?>
-<p:sld xmlns:a="http://schemas.openxmlformats.org/drawingml/2006/main" xmlns:r="http://schemas.openxmlformats.org/officeDocument/2006/relationships" xmlns:p="http://schemas.openxmlformats.org/presentationml/2006/main">
-  <p:cSld>
-    <p:spTree>
-      <p:nvGrpSpPr>
-        <p:cNvPr id="1" name=""/>
-        <p:cNvGrpSpPr/>
-        <p:nvPr/>
-      </p:nvGrpSpPr>
-      <p:grpSpPr>
-        <a:xfrm>
-          <a:off x="0" y="0"/>
-          <a:ext cx="0" cy="0"/>
-          <a:chOff x="0" y="0"/>
-          <a:chExt cx="0" cy="0"/>
-        </a:xfrm>
-      </p:grpSpPr>
-      <p:sp>
-        <p:nvSpPr>
-          <p:cNvPr id="2" name="Title 1"/>
-          <p:cNvSpPr>
-            <a:spLocks noGrp="1"/>
-          </p:cNvSpPr>
-          <p:nvPr>
-            <p:ph type="title"/>
-          </p:nvPr>
-        </p:nvSpPr>
-        <p:spPr/>
-        <p:txBody>
-          <a:bodyPr/>
-          <a:lstStyle/>
-          <a:p>
-            <a:r>
-              <a:rPr lang="en-US" dirty="0" smtClean="0"/>
-              <a:t>Some Queries</a:t>
-            </a:r>
-            <a:endParaRPr lang="en-US" dirty="0"/>
-          </a:p>
-        </p:txBody>
-      </p:sp>
-      <p:sp>
-        <p:nvSpPr>
-          <p:cNvPr id="3" name="Content Placeholder 2"/>
-          <p:cNvSpPr>
-            <a:spLocks noGrp="1"/>
-          </p:cNvSpPr>
-          <p:nvPr>
-            <p:ph idx="1"/>
-          </p:nvPr>
-        </p:nvSpPr>
-        <p:spPr/>
-        <p:txBody>
-          <a:bodyPr>
-            <a:normAutofit fontScale="85000" lnSpcReduction="20000"/>
-          </a:bodyPr>
-          <a:lstStyle/>
-          <a:p>
-            <a:r>
-              <a:rPr lang="en-US" dirty="0" smtClean="0"/>
-              <a:t>To get information about a school:</a:t>
-            </a:r>
-          </a:p>
-          <a:p>
-            <a:pPr lvl="1"/>
-            <a:r>
-              <a:rPr lang="en-US" dirty="0" smtClean="0"/>
-              <a:t>SELECT * FROM schools WHERE name = ?;</a:t>
-            </a:r>
-          </a:p>
-          <a:p>
-            <a:r>
-              <a:rPr lang="en-US" dirty="0" smtClean="0"/>
-              <a:t>To get the state of a specific school:</a:t>
-            </a:r>
-          </a:p>
-          <a:p>
-            <a:pPr lvl="1"/>
-            <a:r>
-              <a:rPr lang="en-US" dirty="0" smtClean="0"/>
-              <a:t>SELECT * FROM located, states WHERE </a:t>
-            </a:r>
-            <a:r>
-              <a:rPr lang="en-US" dirty="0" err="1" smtClean="0"/>
-              <a:t>located.school</a:t>
-            </a:r>
-            <a:r>
-              <a:rPr lang="en-US" dirty="0" smtClean="0"/>
-              <a:t> = ? AND </a:t>
-            </a:r>
-            <a:r>
-              <a:rPr lang="en-US" dirty="0" err="1" smtClean="0"/>
-              <a:t>located.state_code</a:t>
-            </a:r>
-            <a:r>
-              <a:rPr lang="en-US" dirty="0" smtClean="0"/>
-              <a:t> = </a:t>
-            </a:r>
-            <a:r>
-              <a:rPr lang="en-US" dirty="0" err="1" smtClean="0"/>
-              <a:t>states.code</a:t>
-            </a:r>
-            <a:r>
-              <a:rPr lang="en-US" dirty="0" smtClean="0"/>
-              <a:t>;</a:t>
-            </a:r>
-          </a:p>
-          <a:p>
-            <a:r>
-              <a:rPr lang="en-US" dirty="0" smtClean="0"/>
-              <a:t>To calculate averages:</a:t>
-            </a:r>
-          </a:p>
-          <a:p>
-            <a:pPr lvl="1"/>
-            <a:r>
-              <a:rPr lang="en-US" dirty="0" smtClean="0"/>
-              <a:t>SELECT AVG(</a:t>
-            </a:r>
-            <a:r>
-              <a:rPr lang="en-US" dirty="0" err="1" smtClean="0"/>
-              <a:t>retention_rate</a:t>
-            </a:r>
-            <a:r>
-              <a:rPr lang="en-US" dirty="0" smtClean="0"/>
-              <a:t>) AS </a:t>
-            </a:r>
-            <a:r>
-              <a:rPr lang="en-US" dirty="0" err="1" smtClean="0"/>
-              <a:t>retention_rate</a:t>
-            </a:r>
-            <a:r>
-              <a:rPr lang="en-US" dirty="0" smtClean="0"/>
-              <a:t>, AVG(</a:t>
-            </a:r>
-            <a:r>
-              <a:rPr lang="en-US" dirty="0" err="1" smtClean="0"/>
-              <a:t>graduation_rate</a:t>
-            </a:r>
-            <a:r>
-              <a:rPr lang="en-US" dirty="0" smtClean="0"/>
-              <a:t>) AS </a:t>
-            </a:r>
-            <a:r>
-              <a:rPr lang="en-US" dirty="0" err="1" smtClean="0"/>
-              <a:t>graduation_rate</a:t>
-            </a:r>
-            <a:r>
-              <a:rPr lang="en-US" dirty="0" smtClean="0"/>
-              <a:t>, ROUND(AVG(</a:t>
-            </a:r>
-            <a:r>
-              <a:rPr lang="en-US" dirty="0" err="1" smtClean="0"/>
-              <a:t>in_state_tuition</a:t>
-            </a:r>
-            <a:r>
-              <a:rPr lang="en-US" dirty="0" smtClean="0"/>
-              <a:t>), 2) AS </a:t>
-            </a:r>
-            <a:r>
-              <a:rPr lang="en-US" dirty="0" err="1" smtClean="0"/>
-              <a:t>in_state_tuition</a:t>
-            </a:r>
-            <a:r>
-              <a:rPr lang="en-US" dirty="0" smtClean="0"/>
-              <a:t>, ROUND(AVG(</a:t>
-            </a:r>
-            <a:r>
-              <a:rPr lang="en-US" dirty="0" err="1" smtClean="0"/>
-              <a:t>out_of_state_tuition</a:t>
-            </a:r>
-            <a:r>
-              <a:rPr lang="en-US" dirty="0" smtClean="0"/>
-              <a:t>), 2) AS </a:t>
-            </a:r>
-            <a:r>
-              <a:rPr lang="en-US" dirty="0" err="1" smtClean="0"/>
-              <a:t>out_of_state_tuition</a:t>
-            </a:r>
-            <a:r>
-              <a:rPr lang="en-US" dirty="0" smtClean="0"/>
-              <a:t>, ROUND(AVG(</a:t>
-            </a:r>
-            <a:r>
-              <a:rPr lang="en-US" dirty="0" err="1" smtClean="0"/>
-              <a:t>average_student_debt</a:t>
-            </a:r>
-            <a:r>
-              <a:rPr lang="en-US" dirty="0" smtClean="0"/>
-              <a:t>), 2) AS </a:t>
-            </a:r>
-            <a:r>
-              <a:rPr lang="en-US" dirty="0" err="1" smtClean="0"/>
-              <a:t>average_student_debt</a:t>
-            </a:r>
-            <a:r>
-              <a:rPr lang="en-US" dirty="0" smtClean="0"/>
-              <a:t> FROM schools;</a:t>
-            </a:r>
-          </a:p>
-          <a:p>
-            <a:pPr lvl="1"/>
-            <a:endParaRPr lang="en-US" dirty="0" smtClean="0"/>
-          </a:p>
-        </p:txBody>
-      </p:sp>
-    </p:spTree>
-    <p:extLst>
-      <p:ext uri="{BB962C8B-B14F-4D97-AF65-F5344CB8AC3E}">
-        <p14:creationId xmlns:p14="http://schemas.microsoft.com/office/powerpoint/2010/main" val="4261218627"/>
-      </p:ext>
-    </p:extLst>
-  </p:cSld>
-  <p:clrMapOvr>
-    <a:masterClrMapping/>
-  </p:clrMapOvr>
-</p:sld>
-</file>
-
-<file path=ppt/slides/slide18.xml><?xml version="1.0" encoding="utf-8"?>
-<p:sld xmlns:a="http://schemas.openxmlformats.org/drawingml/2006/main" xmlns:r="http://schemas.openxmlformats.org/officeDocument/2006/relationships" xmlns:p="http://schemas.openxmlformats.org/presentationml/2006/main">
-  <p:cSld>
-    <p:spTree>
-      <p:nvGrpSpPr>
-        <p:cNvPr id="1" name=""/>
-        <p:cNvGrpSpPr/>
-        <p:nvPr/>
-      </p:nvGrpSpPr>
-      <p:grpSpPr>
-        <a:xfrm>
-          <a:off x="0" y="0"/>
-          <a:ext cx="0" cy="0"/>
-          <a:chOff x="0" y="0"/>
-          <a:chExt cx="0" cy="0"/>
-        </a:xfrm>
-      </p:grpSpPr>
-      <p:sp>
-        <p:nvSpPr>
-          <p:cNvPr id="2" name="Title 1"/>
-          <p:cNvSpPr>
-            <a:spLocks noGrp="1"/>
-          </p:cNvSpPr>
-          <p:nvPr>
-            <p:ph type="title"/>
-          </p:nvPr>
-        </p:nvSpPr>
-        <p:spPr/>
-        <p:txBody>
-          <a:bodyPr/>
-          <a:lstStyle/>
-          <a:p>
-            <a:r>
-              <a:rPr lang="en-US" dirty="0" smtClean="0"/>
-              <a:t>More Queries</a:t>
-            </a:r>
-            <a:endParaRPr lang="en-US" dirty="0"/>
-          </a:p>
-        </p:txBody>
-      </p:sp>
-      <p:sp>
-        <p:nvSpPr>
-          <p:cNvPr id="3" name="Content Placeholder 2"/>
-          <p:cNvSpPr>
-            <a:spLocks noGrp="1"/>
-          </p:cNvSpPr>
-          <p:nvPr>
-            <p:ph idx="1"/>
-          </p:nvPr>
-        </p:nvSpPr>
-        <p:spPr/>
-        <p:txBody>
-          <a:bodyPr>
-            <a:normAutofit fontScale="77500" lnSpcReduction="20000"/>
-          </a:bodyPr>
-          <a:lstStyle/>
-          <a:p>
-            <a:r>
-              <a:rPr lang="en-US" dirty="0" smtClean="0"/>
-              <a:t>Browse schools:</a:t>
-            </a:r>
-          </a:p>
-          <a:p>
-            <a:pPr lvl="1"/>
-            <a:r>
-              <a:rPr lang="en-US" dirty="0" smtClean="0"/>
-              <a:t> SELECT </a:t>
-            </a:r>
-            <a:r>
-              <a:rPr lang="en-US" dirty="0" err="1" smtClean="0"/>
-              <a:t>s.name</a:t>
-            </a:r>
-            <a:r>
-              <a:rPr lang="en-US" dirty="0" smtClean="0"/>
-              <a:t>, .2 * (1 - 1 / ((</a:t>
-            </a:r>
-            <a:r>
-              <a:rPr lang="en-US" dirty="0" err="1" smtClean="0"/>
-              <a:t>s.salary_twentyfive</a:t>
-            </a:r>
-            <a:r>
-              <a:rPr lang="en-US" dirty="0" smtClean="0"/>
-              <a:t> + </a:t>
-            </a:r>
-            <a:r>
-              <a:rPr lang="en-US" dirty="0" err="1" smtClean="0"/>
-              <a:t>s.salary_seventyfive</a:t>
-            </a:r>
-            <a:r>
-              <a:rPr lang="en-US" dirty="0" smtClean="0"/>
-              <a:t>) / 2 / ((</a:t>
-            </a:r>
-            <a:r>
-              <a:rPr lang="en-US" dirty="0" err="1" smtClean="0"/>
-              <a:t>s.in_state_tuition</a:t>
-            </a:r>
-            <a:r>
-              <a:rPr lang="en-US" dirty="0" smtClean="0"/>
-              <a:t> + </a:t>
-            </a:r>
-            <a:r>
-              <a:rPr lang="en-US" dirty="0" err="1" smtClean="0"/>
-              <a:t>s.out_of_state_tuition</a:t>
-            </a:r>
-            <a:r>
-              <a:rPr lang="en-US" dirty="0" smtClean="0"/>
-              <a:t>) / 2)) / 5) + .1 * (1 - 1 / (100000 / ((</a:t>
-            </a:r>
-            <a:r>
-              <a:rPr lang="en-US" dirty="0" err="1" smtClean="0"/>
-              <a:t>s.in_state_tuition</a:t>
-            </a:r>
-            <a:r>
-              <a:rPr lang="en-US" dirty="0" smtClean="0"/>
-              <a:t> + </a:t>
-            </a:r>
-            <a:r>
-              <a:rPr lang="en-US" dirty="0" err="1" smtClean="0"/>
-              <a:t>s.out_of_state_tuition</a:t>
-            </a:r>
-            <a:r>
-              <a:rPr lang="en-US" dirty="0" smtClean="0"/>
-              <a:t> + 2 * </a:t>
-            </a:r>
-            <a:r>
-              <a:rPr lang="en-US" dirty="0" err="1" smtClean="0"/>
-              <a:t>s.average_student_debt</a:t>
-            </a:r>
-            <a:r>
-              <a:rPr lang="en-US" dirty="0" smtClean="0"/>
-              <a:t>) / 4))) + .1 * </a:t>
-            </a:r>
-            <a:r>
-              <a:rPr lang="en-US" dirty="0" err="1" smtClean="0"/>
-              <a:t>st.score</a:t>
-            </a:r>
-            <a:r>
-              <a:rPr lang="en-US" dirty="0" smtClean="0"/>
-              <a:t> / 100 + .3 * </a:t>
-            </a:r>
-            <a:r>
-              <a:rPr lang="en-US" dirty="0" err="1" smtClean="0"/>
-              <a:t>s.graduation_rate</a:t>
-            </a:r>
-            <a:r>
-              <a:rPr lang="en-US" dirty="0" smtClean="0"/>
-              <a:t> + .3 * </a:t>
-            </a:r>
-            <a:r>
-              <a:rPr lang="en-US" dirty="0" err="1" smtClean="0"/>
-              <a:t>s.retention_rate</a:t>
-            </a:r>
-            <a:r>
-              <a:rPr lang="en-US" dirty="0" smtClean="0"/>
-              <a:t> AS 'score', </a:t>
-            </a:r>
-            <a:r>
-              <a:rPr lang="en-US" dirty="0" err="1" smtClean="0"/>
-              <a:t>s.city</a:t>
-            </a:r>
-            <a:r>
-              <a:rPr lang="en-US" dirty="0" smtClean="0"/>
-              <a:t>, </a:t>
-            </a:r>
-            <a:r>
-              <a:rPr lang="en-US" dirty="0" err="1" smtClean="0"/>
-              <a:t>s.in_state_tuition</a:t>
-            </a:r>
-            <a:r>
-              <a:rPr lang="en-US" dirty="0" smtClean="0"/>
-              <a:t>, </a:t>
-            </a:r>
-            <a:r>
-              <a:rPr lang="en-US" dirty="0" err="1" smtClean="0"/>
-              <a:t>s.out_of_state_tuition</a:t>
-            </a:r>
-            <a:r>
-              <a:rPr lang="en-US" dirty="0" smtClean="0"/>
-              <a:t>, (</a:t>
-            </a:r>
-            <a:r>
-              <a:rPr lang="en-US" dirty="0" err="1" smtClean="0"/>
-              <a:t>s.salary_twentyfive</a:t>
-            </a:r>
-            <a:r>
-              <a:rPr lang="en-US" dirty="0" smtClean="0"/>
-              <a:t> + </a:t>
-            </a:r>
-            <a:r>
-              <a:rPr lang="en-US" dirty="0" err="1" smtClean="0"/>
-              <a:t>s.salary_seventyfive</a:t>
-            </a:r>
-            <a:r>
-              <a:rPr lang="en-US" dirty="0" smtClean="0"/>
-              <a:t>) / 2 AS '</a:t>
-            </a:r>
-            <a:r>
-              <a:rPr lang="en-US" dirty="0" err="1" smtClean="0"/>
-              <a:t>average_salary</a:t>
-            </a:r>
-            <a:r>
-              <a:rPr lang="en-US" dirty="0" smtClean="0"/>
-              <a:t>', </a:t>
-            </a:r>
-            <a:r>
-              <a:rPr lang="en-US" dirty="0" err="1" smtClean="0"/>
-              <a:t>st.name</a:t>
-            </a:r>
-            <a:r>
-              <a:rPr lang="en-US" dirty="0" smtClean="0"/>
-              <a:t> AS 'state' FROM schools s, located l, states </a:t>
-            </a:r>
-            <a:r>
-              <a:rPr lang="en-US" dirty="0" err="1" smtClean="0"/>
-              <a:t>st</a:t>
-            </a:r>
-            <a:r>
-              <a:rPr lang="en-US" dirty="0" smtClean="0"/>
-              <a:t> WHERE </a:t>
-            </a:r>
-            <a:r>
-              <a:rPr lang="en-US" dirty="0" err="1" smtClean="0"/>
-              <a:t>s.in_state_tuition</a:t>
-            </a:r>
-            <a:r>
-              <a:rPr lang="en-US" dirty="0" smtClean="0"/>
-              <a:t> &gt; ? AND </a:t>
-            </a:r>
-            <a:r>
-              <a:rPr lang="en-US" dirty="0" err="1" smtClean="0"/>
-              <a:t>s.in_state_tuition</a:t>
-            </a:r>
-            <a:r>
-              <a:rPr lang="en-US" dirty="0" smtClean="0"/>
-              <a:t> &lt; ? AND </a:t>
-            </a:r>
-            <a:r>
-              <a:rPr lang="en-US" dirty="0" err="1" smtClean="0"/>
-              <a:t>s.out_of_state_tuition</a:t>
-            </a:r>
-            <a:r>
-              <a:rPr lang="en-US" dirty="0" smtClean="0"/>
-              <a:t> &gt; ? AND </a:t>
-            </a:r>
-            <a:r>
-              <a:rPr lang="en-US" dirty="0" err="1" smtClean="0"/>
-              <a:t>s.out_of_state_tuition</a:t>
-            </a:r>
-            <a:r>
-              <a:rPr lang="en-US" dirty="0" smtClean="0"/>
-              <a:t> &lt; ? AND (</a:t>
-            </a:r>
-            <a:r>
-              <a:rPr lang="en-US" dirty="0" err="1" smtClean="0"/>
-              <a:t>s.salary_twentyfive</a:t>
-            </a:r>
-            <a:r>
-              <a:rPr lang="en-US" dirty="0" smtClean="0"/>
-              <a:t> + </a:t>
-            </a:r>
-            <a:r>
-              <a:rPr lang="en-US" dirty="0" err="1" smtClean="0"/>
-              <a:t>s.salary_seventyfive</a:t>
-            </a:r>
-            <a:r>
-              <a:rPr lang="en-US" dirty="0" smtClean="0"/>
-              <a:t>) / 2 &gt; ? AND (</a:t>
-            </a:r>
-            <a:r>
-              <a:rPr lang="en-US" dirty="0" err="1" smtClean="0"/>
-              <a:t>s.salary_twentyfive</a:t>
-            </a:r>
-            <a:r>
-              <a:rPr lang="en-US" dirty="0" smtClean="0"/>
-              <a:t> + </a:t>
-            </a:r>
-            <a:r>
-              <a:rPr lang="en-US" dirty="0" err="1" smtClean="0"/>
-              <a:t>s.salary_seventyfive</a:t>
-            </a:r>
-            <a:r>
-              <a:rPr lang="en-US" dirty="0" smtClean="0"/>
-              <a:t>) / 2 &lt; ? AND </a:t>
-            </a:r>
-            <a:r>
-              <a:rPr lang="en-US" dirty="0" err="1" smtClean="0"/>
-              <a:t>s.name</a:t>
-            </a:r>
-            <a:r>
-              <a:rPr lang="en-US" dirty="0" smtClean="0"/>
-              <a:t> = </a:t>
-            </a:r>
-            <a:r>
-              <a:rPr lang="en-US" dirty="0" err="1" smtClean="0"/>
-              <a:t>l.school</a:t>
-            </a:r>
-            <a:r>
-              <a:rPr lang="en-US" dirty="0" smtClean="0"/>
-              <a:t> AND </a:t>
-            </a:r>
-            <a:r>
-              <a:rPr lang="en-US" dirty="0" err="1" smtClean="0"/>
-              <a:t>l.state_code</a:t>
-            </a:r>
-            <a:r>
-              <a:rPr lang="en-US" dirty="0" smtClean="0"/>
-              <a:t> = </a:t>
-            </a:r>
-            <a:r>
-              <a:rPr lang="en-US" dirty="0" err="1" smtClean="0"/>
-              <a:t>st.code</a:t>
-            </a:r>
-            <a:r>
-              <a:rPr lang="en-US" dirty="0" smtClean="0"/>
-              <a:t> AND </a:t>
-            </a:r>
-            <a:r>
-              <a:rPr lang="en-US" dirty="0" err="1" smtClean="0"/>
-              <a:t>l.state_code</a:t>
-            </a:r>
-            <a:r>
-              <a:rPr lang="en-US" dirty="0" smtClean="0"/>
-              <a:t> = ? ORDER BY " . $</a:t>
-            </a:r>
-            <a:r>
-              <a:rPr lang="en-US" dirty="0" err="1" smtClean="0"/>
-              <a:t>sort_by</a:t>
-            </a:r>
-            <a:r>
-              <a:rPr lang="en-US" dirty="0" smtClean="0"/>
-              <a:t> . " ASC LIMIT ?;</a:t>
-            </a:r>
-            <a:endParaRPr lang="en-US" dirty="0"/>
-          </a:p>
-        </p:txBody>
-      </p:sp>
-    </p:spTree>
-    <p:extLst>
-      <p:ext uri="{BB962C8B-B14F-4D97-AF65-F5344CB8AC3E}">
-        <p14:creationId xmlns:p14="http://schemas.microsoft.com/office/powerpoint/2010/main" val="1161650658"/>
-      </p:ext>
-    </p:extLst>
-  </p:cSld>
-  <p:clrMapOvr>
-    <a:masterClrMapping/>
-  </p:clrMapOvr>
-</p:sld>
-</file>
-
 <file path=ppt/slides/slide19.xml><?xml version="1.0" encoding="utf-8"?>
 <p:sld xmlns:a="http://schemas.openxmlformats.org/drawingml/2006/main" xmlns:r="http://schemas.openxmlformats.org/officeDocument/2006/relationships" xmlns:p="http://schemas.openxmlformats.org/presentationml/2006/main">
   <p:cSld>
@@ -5121,7 +4691,7 @@
           <a:p>
             <a:r>
               <a:rPr lang="en-US" dirty="0" smtClean="0"/>
-              <a:t>More Queries</a:t>
+              <a:t>Data Sources</a:t>
             </a:r>
             <a:endParaRPr lang="en-US" dirty="0"/>
           </a:p>
@@ -5140,228 +4710,45 @@
         <p:spPr/>
         <p:txBody>
           <a:bodyPr>
-            <a:normAutofit fontScale="77500" lnSpcReduction="20000"/>
+            <a:noAutofit/>
           </a:bodyPr>
           <a:lstStyle/>
           <a:p>
             <a:r>
               <a:rPr lang="en-US" dirty="0" smtClean="0"/>
-              <a:t>Browse by state:</a:t>
-            </a:r>
-          </a:p>
-          <a:p>
-            <a:pPr lvl="1"/>
-            <a:r>
-              <a:rPr lang="en-US" dirty="0" smtClean="0"/>
-              <a:t> SELECT </a:t>
-            </a:r>
-            <a:r>
-              <a:rPr lang="en-US" dirty="0" err="1" smtClean="0"/>
-              <a:t>st.name</a:t>
-            </a:r>
-            <a:r>
-              <a:rPr lang="en-US" dirty="0" smtClean="0"/>
-              <a:t>, </a:t>
-            </a:r>
-            <a:r>
-              <a:rPr lang="en-US" dirty="0" err="1" smtClean="0"/>
-              <a:t>st.score</a:t>
-            </a:r>
-            <a:r>
-              <a:rPr lang="en-US" dirty="0" smtClean="0"/>
-              <a:t>, AVG(.2 * (1 - 1 / ((</a:t>
-            </a:r>
-            <a:r>
-              <a:rPr lang="en-US" dirty="0" err="1" smtClean="0"/>
-              <a:t>s.salary_twentyfive</a:t>
-            </a:r>
-            <a:r>
-              <a:rPr lang="en-US" dirty="0" smtClean="0"/>
-              <a:t> + </a:t>
-            </a:r>
-            <a:r>
-              <a:rPr lang="en-US" dirty="0" err="1" smtClean="0"/>
-              <a:t>s.salary_seventyfive</a:t>
-            </a:r>
-            <a:r>
-              <a:rPr lang="en-US" dirty="0" smtClean="0"/>
-              <a:t>) / 2 / ((</a:t>
-            </a:r>
-            <a:r>
-              <a:rPr lang="en-US" dirty="0" err="1" smtClean="0"/>
-              <a:t>s.in_state_tuition</a:t>
-            </a:r>
-            <a:r>
-              <a:rPr lang="en-US" dirty="0" smtClean="0"/>
-              <a:t> + </a:t>
-            </a:r>
-            <a:r>
-              <a:rPr lang="en-US" dirty="0" err="1" smtClean="0"/>
-              <a:t>s.out_of_state_tuition</a:t>
-            </a:r>
-            <a:r>
-              <a:rPr lang="en-US" dirty="0" smtClean="0"/>
-              <a:t>) / 2)) / 5) + .1 * (1 - 1 / (100000 / ((</a:t>
-            </a:r>
-            <a:r>
-              <a:rPr lang="en-US" dirty="0" err="1" smtClean="0"/>
-              <a:t>s.in_state_tuition</a:t>
-            </a:r>
-            <a:r>
-              <a:rPr lang="en-US" dirty="0" smtClean="0"/>
-              <a:t> + </a:t>
-            </a:r>
-            <a:r>
-              <a:rPr lang="en-US" dirty="0" err="1" smtClean="0"/>
-              <a:t>s.out_of_state_tuition</a:t>
-            </a:r>
-            <a:r>
-              <a:rPr lang="en-US" dirty="0" smtClean="0"/>
-              <a:t> + 2 * </a:t>
-            </a:r>
-            <a:r>
-              <a:rPr lang="en-US" dirty="0" err="1" smtClean="0"/>
-              <a:t>s.average_student_debt</a:t>
-            </a:r>
-            <a:r>
-              <a:rPr lang="en-US" dirty="0" smtClean="0"/>
-              <a:t>) / 4))) + .1 * </a:t>
-            </a:r>
-            <a:r>
-              <a:rPr lang="en-US" dirty="0" err="1" smtClean="0"/>
-              <a:t>st.score</a:t>
-            </a:r>
-            <a:r>
-              <a:rPr lang="en-US" dirty="0" smtClean="0"/>
-              <a:t> / 100 + .3 * </a:t>
-            </a:r>
-            <a:r>
-              <a:rPr lang="en-US" dirty="0" err="1" smtClean="0"/>
-              <a:t>s.graduation_rate</a:t>
-            </a:r>
-            <a:r>
-              <a:rPr lang="en-US" dirty="0" smtClean="0"/>
-              <a:t> + .3 * </a:t>
-            </a:r>
-            <a:r>
-              <a:rPr lang="en-US" dirty="0" err="1" smtClean="0"/>
-              <a:t>s.retention_rate</a:t>
-            </a:r>
-            <a:r>
-              <a:rPr lang="en-US" dirty="0" smtClean="0"/>
-              <a:t>) AS '</a:t>
-            </a:r>
-            <a:r>
-              <a:rPr lang="en-US" dirty="0" err="1" smtClean="0"/>
-              <a:t>average_school_score</a:t>
-            </a:r>
-            <a:r>
-              <a:rPr lang="en-US" dirty="0" smtClean="0"/>
-              <a:t>', ROUND(AVG(</a:t>
-            </a:r>
-            <a:r>
-              <a:rPr lang="en-US" dirty="0" err="1" smtClean="0"/>
-              <a:t>s.in_state_tuition</a:t>
-            </a:r>
-            <a:r>
-              <a:rPr lang="en-US" dirty="0" smtClean="0"/>
-              <a:t>), 2) AS '</a:t>
-            </a:r>
-            <a:r>
-              <a:rPr lang="en-US" dirty="0" err="1" smtClean="0"/>
-              <a:t>average_in_state_tuition</a:t>
-            </a:r>
-            <a:r>
-              <a:rPr lang="en-US" dirty="0" smtClean="0"/>
-              <a:t>', ROUND(AVG(</a:t>
-            </a:r>
-            <a:r>
-              <a:rPr lang="en-US" dirty="0" err="1" smtClean="0"/>
-              <a:t>s.out_of_state_tuition</a:t>
-            </a:r>
-            <a:r>
-              <a:rPr lang="en-US" dirty="0" smtClean="0"/>
-              <a:t>), 2) AS '</a:t>
-            </a:r>
-            <a:r>
-              <a:rPr lang="en-US" dirty="0" err="1" smtClean="0"/>
-              <a:t>average_out_of_state_tuition</a:t>
-            </a:r>
-            <a:r>
-              <a:rPr lang="en-US" dirty="0" smtClean="0"/>
-              <a:t>', </a:t>
-            </a:r>
-            <a:r>
-              <a:rPr lang="en-US" dirty="0" err="1" smtClean="0"/>
-              <a:t>st.avg_salary</a:t>
-            </a:r>
-            <a:r>
-              <a:rPr lang="en-US" dirty="0" smtClean="0"/>
-              <a:t> FROM schools s, located l, states </a:t>
-            </a:r>
-            <a:r>
-              <a:rPr lang="en-US" dirty="0" err="1" smtClean="0"/>
-              <a:t>st</a:t>
-            </a:r>
-            <a:r>
-              <a:rPr lang="en-US" dirty="0" smtClean="0"/>
-              <a:t> WHERE </a:t>
-            </a:r>
-            <a:r>
-              <a:rPr lang="en-US" dirty="0" err="1" smtClean="0"/>
-              <a:t>s.name</a:t>
-            </a:r>
-            <a:r>
-              <a:rPr lang="en-US" dirty="0" smtClean="0"/>
-              <a:t> = </a:t>
-            </a:r>
-            <a:r>
-              <a:rPr lang="en-US" dirty="0" err="1" smtClean="0"/>
-              <a:t>l.school</a:t>
-            </a:r>
-            <a:r>
-              <a:rPr lang="en-US" dirty="0" smtClean="0"/>
-              <a:t> AND </a:t>
-            </a:r>
-            <a:r>
-              <a:rPr lang="en-US" dirty="0" err="1" smtClean="0"/>
-              <a:t>l.state_code</a:t>
-            </a:r>
-            <a:r>
-              <a:rPr lang="en-US" dirty="0" smtClean="0"/>
-              <a:t> = </a:t>
-            </a:r>
-            <a:r>
-              <a:rPr lang="en-US" dirty="0" err="1" smtClean="0"/>
-              <a:t>st.code</a:t>
-            </a:r>
-            <a:r>
-              <a:rPr lang="en-US" dirty="0" smtClean="0"/>
-              <a:t> AND </a:t>
-            </a:r>
-            <a:r>
-              <a:rPr lang="en-US" dirty="0" err="1" smtClean="0"/>
-              <a:t>st.code</a:t>
-            </a:r>
-            <a:r>
-              <a:rPr lang="en-US" dirty="0" smtClean="0"/>
-              <a:t> = ? GROUP BY </a:t>
-            </a:r>
-            <a:r>
-              <a:rPr lang="en-US" dirty="0" err="1" smtClean="0"/>
-              <a:t>st.name</a:t>
-            </a:r>
-            <a:r>
-              <a:rPr lang="en-US" dirty="0" smtClean="0"/>
-              <a:t> ASC ORDER BY " . $</a:t>
-            </a:r>
-            <a:r>
-              <a:rPr lang="en-US" dirty="0" err="1" smtClean="0"/>
-              <a:t>sort_by</a:t>
-            </a:r>
-            <a:r>
-              <a:rPr lang="en-US" dirty="0" smtClean="0"/>
-              <a:t> . " DESC LIMIT ?;</a:t>
+              <a:t>School data: </a:t>
+            </a:r>
+            <a:r>
+              <a:rPr lang="en-US" dirty="0" smtClean="0">
+                <a:hlinkClick r:id="rId2"/>
+              </a:rPr>
+              <a:t>https://catalog.data.gov/dataset/college-scorecard</a:t>
+            </a:r>
+            <a:endParaRPr lang="en-US" dirty="0"/>
+          </a:p>
+          <a:p>
+            <a:r>
+              <a:rPr lang="en-US" dirty="0" smtClean="0"/>
+              <a:t>State data: </a:t>
+            </a:r>
+            <a:r>
+              <a:rPr lang="en-US" dirty="0" smtClean="0">
+                <a:hlinkClick r:id="rId3"/>
+              </a:rPr>
+              <a:t>https://en.wikipedia.org/wiki/List_of_U.S._states_by_income</a:t>
+            </a:r>
+            <a:endParaRPr lang="en-US" dirty="0"/>
+          </a:p>
+          <a:p>
+            <a:r>
+              <a:rPr lang="en-US" dirty="0" smtClean="0"/>
+              <a:t>State codes: </a:t>
+            </a:r>
+            <a:r>
+              <a:rPr lang="en-US" dirty="0" smtClean="0">
+                <a:hlinkClick r:id="rId4"/>
+              </a:rPr>
+              <a:t>https://www.census.gov/geo/reference/ansi_statetables.html</a:t>
             </a:r>
             <a:endParaRPr lang="en-US" dirty="0"/>
           </a:p>
@@ -5370,7 +4757,7 @@
     </p:spTree>
     <p:extLst>
       <p:ext uri="{BB962C8B-B14F-4D97-AF65-F5344CB8AC3E}">
-        <p14:creationId xmlns:p14="http://schemas.microsoft.com/office/powerpoint/2010/main" val="1942752067"/>
+        <p14:creationId xmlns:p14="http://schemas.microsoft.com/office/powerpoint/2010/main" val="341228686"/>
       </p:ext>
     </p:extLst>
   </p:cSld>
@@ -5457,20 +4844,14 @@
           <a:p>
             <a:r>
               <a:rPr lang="en-US" dirty="0" smtClean="0"/>
-              <a:t>Would like to visually distinguish good schools from not so good schools and compare </a:t>
-            </a:r>
-            <a:r>
-              <a:rPr lang="en-US" dirty="0" smtClean="0"/>
-              <a:t>them to the average</a:t>
-            </a:r>
-            <a:endParaRPr lang="en-US" dirty="0" smtClean="0"/>
+              <a:t>Would like to visually distinguish good schools from not so good schools and compare them to the average</a:t>
+            </a:r>
           </a:p>
           <a:p>
             <a:r>
               <a:rPr lang="en-US" dirty="0" smtClean="0"/>
               <a:t>Have a scoring system based upon how cost-effective the school is</a:t>
             </a:r>
-            <a:endParaRPr lang="en-US" dirty="0" smtClean="0"/>
           </a:p>
           <a:p>
             <a:endParaRPr lang="en-US" dirty="0"/>
@@ -5481,6 +4862,1258 @@
     <p:extLst>
       <p:ext uri="{BB962C8B-B14F-4D97-AF65-F5344CB8AC3E}">
         <p14:creationId xmlns:p14="http://schemas.microsoft.com/office/powerpoint/2010/main" val="2421492462"/>
+      </p:ext>
+    </p:extLst>
+  </p:cSld>
+  <p:clrMapOvr>
+    <a:masterClrMapping/>
+  </p:clrMapOvr>
+</p:sld>
+</file>
+
+<file path=ppt/slides/slide20.xml><?xml version="1.0" encoding="utf-8"?>
+<p:sld xmlns:a="http://schemas.openxmlformats.org/drawingml/2006/main" xmlns:r="http://schemas.openxmlformats.org/officeDocument/2006/relationships" xmlns:p="http://schemas.openxmlformats.org/presentationml/2006/main">
+  <p:cSld>
+    <p:spTree>
+      <p:nvGrpSpPr>
+        <p:cNvPr id="1" name=""/>
+        <p:cNvGrpSpPr/>
+        <p:nvPr/>
+      </p:nvGrpSpPr>
+      <p:grpSpPr>
+        <a:xfrm>
+          <a:off x="0" y="0"/>
+          <a:ext cx="0" cy="0"/>
+          <a:chOff x="0" y="0"/>
+          <a:chExt cx="0" cy="0"/>
+        </a:xfrm>
+      </p:grpSpPr>
+      <p:sp>
+        <p:nvSpPr>
+          <p:cNvPr id="2" name="Title 1"/>
+          <p:cNvSpPr>
+            <a:spLocks noGrp="1"/>
+          </p:cNvSpPr>
+          <p:nvPr>
+            <p:ph type="title"/>
+          </p:nvPr>
+        </p:nvSpPr>
+        <p:spPr/>
+        <p:txBody>
+          <a:bodyPr/>
+          <a:lstStyle/>
+          <a:p>
+            <a:r>
+              <a:rPr lang="en-US" dirty="0" smtClean="0"/>
+              <a:t>Database Schema</a:t>
+            </a:r>
+            <a:endParaRPr lang="en-US" dirty="0"/>
+          </a:p>
+        </p:txBody>
+      </p:sp>
+      <p:sp>
+        <p:nvSpPr>
+          <p:cNvPr id="3" name="Content Placeholder 2"/>
+          <p:cNvSpPr>
+            <a:spLocks noGrp="1"/>
+          </p:cNvSpPr>
+          <p:nvPr>
+            <p:ph idx="1"/>
+          </p:nvPr>
+        </p:nvSpPr>
+        <p:spPr/>
+        <p:txBody>
+          <a:bodyPr>
+            <a:normAutofit/>
+          </a:bodyPr>
+          <a:lstStyle/>
+          <a:p>
+            <a:r>
+              <a:rPr lang="en-US" sz="2400" dirty="0"/>
+              <a:t>SCHOOLS[name, latitude, longitude, city, locale, </a:t>
+            </a:r>
+            <a:r>
+              <a:rPr lang="en-US" sz="2400" dirty="0" err="1"/>
+              <a:t>in_state_tuition</a:t>
+            </a:r>
+            <a:r>
+              <a:rPr lang="en-US" sz="2400" dirty="0"/>
+              <a:t>, </a:t>
+            </a:r>
+            <a:r>
+              <a:rPr lang="en-US" sz="2400" dirty="0" err="1"/>
+              <a:t>out_of_state_tuition</a:t>
+            </a:r>
+            <a:r>
+              <a:rPr lang="en-US" sz="2400" dirty="0"/>
+              <a:t>, type, homepage, </a:t>
+            </a:r>
+            <a:r>
+              <a:rPr lang="en-US" sz="2400" dirty="0" err="1"/>
+              <a:t>graudation_rate</a:t>
+            </a:r>
+            <a:r>
+              <a:rPr lang="en-US" sz="2400" dirty="0"/>
+              <a:t>, </a:t>
+            </a:r>
+            <a:r>
+              <a:rPr lang="en-US" sz="2400" dirty="0" err="1"/>
+              <a:t>retention_rate</a:t>
+            </a:r>
+            <a:r>
+              <a:rPr lang="en-US" sz="2400" dirty="0"/>
+              <a:t>, </a:t>
+            </a:r>
+            <a:r>
+              <a:rPr lang="en-US" sz="2400" dirty="0" err="1"/>
+              <a:t>admission_rate</a:t>
+            </a:r>
+            <a:r>
+              <a:rPr lang="en-US" sz="2400" dirty="0"/>
+              <a:t>, </a:t>
+            </a:r>
+            <a:r>
+              <a:rPr lang="en-US" sz="2400" dirty="0" err="1"/>
+              <a:t>average_student_debt</a:t>
+            </a:r>
+            <a:r>
+              <a:rPr lang="en-US" sz="2400" dirty="0"/>
+              <a:t>, </a:t>
+            </a:r>
+            <a:r>
+              <a:rPr lang="en-US" sz="2400" dirty="0" err="1"/>
+              <a:t>salary_ten</a:t>
+            </a:r>
+            <a:r>
+              <a:rPr lang="en-US" sz="2400" dirty="0"/>
+              <a:t>, </a:t>
+            </a:r>
+            <a:r>
+              <a:rPr lang="en-US" sz="2400" dirty="0" err="1"/>
+              <a:t>salary_twentyfive</a:t>
+            </a:r>
+            <a:r>
+              <a:rPr lang="en-US" sz="2400" dirty="0"/>
+              <a:t>, </a:t>
+            </a:r>
+            <a:r>
+              <a:rPr lang="en-US" sz="2400" dirty="0" err="1"/>
+              <a:t>salary_seventyfive</a:t>
+            </a:r>
+            <a:r>
+              <a:rPr lang="en-US" sz="2400" dirty="0"/>
+              <a:t>, </a:t>
+            </a:r>
+            <a:r>
+              <a:rPr lang="en-US" sz="2400" dirty="0" err="1"/>
+              <a:t>salary_ninety</a:t>
+            </a:r>
+            <a:r>
+              <a:rPr lang="en-US" sz="2400" dirty="0"/>
+              <a:t>, </a:t>
+            </a:r>
+            <a:r>
+              <a:rPr lang="en-US" sz="2400" dirty="0" err="1"/>
+              <a:t>drr_oneyr</a:t>
+            </a:r>
+            <a:r>
+              <a:rPr lang="en-US" sz="2400" dirty="0"/>
+              <a:t>, </a:t>
+            </a:r>
+            <a:r>
+              <a:rPr lang="en-US" sz="2400" dirty="0" err="1"/>
+              <a:t>drr_threeyr</a:t>
+            </a:r>
+            <a:r>
+              <a:rPr lang="en-US" sz="2400" dirty="0"/>
+              <a:t>, </a:t>
+            </a:r>
+            <a:r>
+              <a:rPr lang="en-US" sz="2400" dirty="0" err="1"/>
+              <a:t>drr_fiveyr</a:t>
+            </a:r>
+            <a:r>
+              <a:rPr lang="en-US" sz="2400" dirty="0"/>
+              <a:t>, </a:t>
+            </a:r>
+            <a:r>
+              <a:rPr lang="en-US" sz="2400" dirty="0" err="1"/>
+              <a:t>drr_sevenyr</a:t>
+            </a:r>
+            <a:r>
+              <a:rPr lang="en-US" sz="2400" dirty="0"/>
+              <a:t>] </a:t>
+            </a:r>
+            <a:endParaRPr lang="en-US" sz="2400" dirty="0" smtClean="0">
+              <a:effectLst/>
+            </a:endParaRPr>
+          </a:p>
+          <a:p>
+            <a:r>
+              <a:rPr lang="en-US" sz="2400" dirty="0"/>
+              <a:t>LOCATED[school, </a:t>
+            </a:r>
+            <a:r>
+              <a:rPr lang="en-US" sz="2400" dirty="0" err="1"/>
+              <a:t>state_code</a:t>
+            </a:r>
+            <a:r>
+              <a:rPr lang="en-US" sz="2400" dirty="0"/>
+              <a:t>] </a:t>
+            </a:r>
+            <a:endParaRPr lang="en-US" sz="2400" dirty="0" smtClean="0"/>
+          </a:p>
+          <a:p>
+            <a:r>
+              <a:rPr lang="en-US" sz="2400" dirty="0" smtClean="0"/>
+              <a:t>STATES[name, code, </a:t>
+            </a:r>
+            <a:r>
+              <a:rPr lang="en-US" sz="2400" dirty="0" err="1" smtClean="0"/>
+              <a:t>avg_salary</a:t>
+            </a:r>
+            <a:r>
+              <a:rPr lang="en-US" sz="2400" dirty="0" smtClean="0"/>
+              <a:t>, score] </a:t>
+            </a:r>
+            <a:endParaRPr lang="en-US" sz="2400" dirty="0" smtClean="0">
+              <a:effectLst/>
+            </a:endParaRPr>
+          </a:p>
+          <a:p>
+            <a:pPr marL="0" indent="0">
+              <a:buNone/>
+            </a:pPr>
+            <a:endParaRPr lang="en-US" dirty="0"/>
+          </a:p>
+        </p:txBody>
+      </p:sp>
+    </p:spTree>
+    <p:extLst>
+      <p:ext uri="{BB962C8B-B14F-4D97-AF65-F5344CB8AC3E}">
+        <p14:creationId xmlns:p14="http://schemas.microsoft.com/office/powerpoint/2010/main" val="3245006831"/>
+      </p:ext>
+    </p:extLst>
+  </p:cSld>
+  <p:clrMapOvr>
+    <a:masterClrMapping/>
+  </p:clrMapOvr>
+</p:sld>
+</file>
+
+<file path=ppt/slides/slide21.xml><?xml version="1.0" encoding="utf-8"?>
+<p:sld xmlns:a="http://schemas.openxmlformats.org/drawingml/2006/main" xmlns:r="http://schemas.openxmlformats.org/officeDocument/2006/relationships" xmlns:p="http://schemas.openxmlformats.org/presentationml/2006/main">
+  <p:cSld>
+    <p:spTree>
+      <p:nvGrpSpPr>
+        <p:cNvPr id="1" name=""/>
+        <p:cNvGrpSpPr/>
+        <p:nvPr/>
+      </p:nvGrpSpPr>
+      <p:grpSpPr>
+        <a:xfrm>
+          <a:off x="0" y="0"/>
+          <a:ext cx="0" cy="0"/>
+          <a:chOff x="0" y="0"/>
+          <a:chExt cx="0" cy="0"/>
+        </a:xfrm>
+      </p:grpSpPr>
+      <p:sp>
+        <p:nvSpPr>
+          <p:cNvPr id="2" name="Title 1"/>
+          <p:cNvSpPr>
+            <a:spLocks noGrp="1"/>
+          </p:cNvSpPr>
+          <p:nvPr>
+            <p:ph type="title"/>
+          </p:nvPr>
+        </p:nvSpPr>
+        <p:spPr/>
+        <p:txBody>
+          <a:bodyPr/>
+          <a:lstStyle/>
+          <a:p>
+            <a:r>
+              <a:rPr lang="en-US" dirty="0" smtClean="0"/>
+              <a:t>Queries</a:t>
+            </a:r>
+            <a:endParaRPr lang="en-US" dirty="0"/>
+          </a:p>
+        </p:txBody>
+      </p:sp>
+      <p:sp>
+        <p:nvSpPr>
+          <p:cNvPr id="3" name="Content Placeholder 2"/>
+          <p:cNvSpPr>
+            <a:spLocks noGrp="1"/>
+          </p:cNvSpPr>
+          <p:nvPr>
+            <p:ph idx="1"/>
+          </p:nvPr>
+        </p:nvSpPr>
+        <p:spPr/>
+        <p:txBody>
+          <a:bodyPr/>
+          <a:lstStyle/>
+          <a:p>
+            <a:r>
+              <a:rPr lang="en-US" dirty="0" smtClean="0"/>
+              <a:t>To prevent SQL injection vulnerability, we use prepared queries</a:t>
+            </a:r>
+          </a:p>
+          <a:p>
+            <a:r>
+              <a:rPr lang="en-US" dirty="0" smtClean="0"/>
+              <a:t>‘?’ gets replaced with input</a:t>
+            </a:r>
+          </a:p>
+        </p:txBody>
+      </p:sp>
+    </p:spTree>
+    <p:extLst>
+      <p:ext uri="{BB962C8B-B14F-4D97-AF65-F5344CB8AC3E}">
+        <p14:creationId xmlns:p14="http://schemas.microsoft.com/office/powerpoint/2010/main" val="2301232322"/>
+      </p:ext>
+    </p:extLst>
+  </p:cSld>
+  <p:clrMapOvr>
+    <a:masterClrMapping/>
+  </p:clrMapOvr>
+</p:sld>
+</file>
+
+<file path=ppt/slides/slide22.xml><?xml version="1.0" encoding="utf-8"?>
+<p:sld xmlns:a="http://schemas.openxmlformats.org/drawingml/2006/main" xmlns:r="http://schemas.openxmlformats.org/officeDocument/2006/relationships" xmlns:p="http://schemas.openxmlformats.org/presentationml/2006/main">
+  <p:cSld>
+    <p:spTree>
+      <p:nvGrpSpPr>
+        <p:cNvPr id="1" name=""/>
+        <p:cNvGrpSpPr/>
+        <p:nvPr/>
+      </p:nvGrpSpPr>
+      <p:grpSpPr>
+        <a:xfrm>
+          <a:off x="0" y="0"/>
+          <a:ext cx="0" cy="0"/>
+          <a:chOff x="0" y="0"/>
+          <a:chExt cx="0" cy="0"/>
+        </a:xfrm>
+      </p:grpSpPr>
+      <p:sp>
+        <p:nvSpPr>
+          <p:cNvPr id="2" name="Title 1"/>
+          <p:cNvSpPr>
+            <a:spLocks noGrp="1"/>
+          </p:cNvSpPr>
+          <p:nvPr>
+            <p:ph type="title"/>
+          </p:nvPr>
+        </p:nvSpPr>
+        <p:spPr/>
+        <p:txBody>
+          <a:bodyPr/>
+          <a:lstStyle/>
+          <a:p>
+            <a:r>
+              <a:rPr lang="en-US" dirty="0" smtClean="0"/>
+              <a:t>Some Queries</a:t>
+            </a:r>
+            <a:endParaRPr lang="en-US" dirty="0"/>
+          </a:p>
+        </p:txBody>
+      </p:sp>
+      <p:sp>
+        <p:nvSpPr>
+          <p:cNvPr id="3" name="Content Placeholder 2"/>
+          <p:cNvSpPr>
+            <a:spLocks noGrp="1"/>
+          </p:cNvSpPr>
+          <p:nvPr>
+            <p:ph idx="1"/>
+          </p:nvPr>
+        </p:nvSpPr>
+        <p:spPr/>
+        <p:txBody>
+          <a:bodyPr>
+            <a:normAutofit fontScale="77500" lnSpcReduction="20000"/>
+          </a:bodyPr>
+          <a:lstStyle/>
+          <a:p>
+            <a:r>
+              <a:rPr lang="en-US" dirty="0" smtClean="0"/>
+              <a:t>To get information about a school:</a:t>
+            </a:r>
+          </a:p>
+          <a:p>
+            <a:pPr lvl="1"/>
+            <a:r>
+              <a:rPr lang="en-US" dirty="0" smtClean="0"/>
+              <a:t>SELECT * FROM schools WHERE name = ?;</a:t>
+            </a:r>
+          </a:p>
+          <a:p>
+            <a:r>
+              <a:rPr lang="en-US" dirty="0" smtClean="0"/>
+              <a:t>To get the state of a specific school:</a:t>
+            </a:r>
+          </a:p>
+          <a:p>
+            <a:pPr lvl="1"/>
+            <a:r>
+              <a:rPr lang="en-US" dirty="0" smtClean="0"/>
+              <a:t>SELECT * FROM located, states WHERE </a:t>
+            </a:r>
+            <a:r>
+              <a:rPr lang="en-US" dirty="0" err="1" smtClean="0"/>
+              <a:t>located.school</a:t>
+            </a:r>
+            <a:r>
+              <a:rPr lang="en-US" dirty="0" smtClean="0"/>
+              <a:t> = ? AND </a:t>
+            </a:r>
+            <a:r>
+              <a:rPr lang="en-US" dirty="0" err="1" smtClean="0"/>
+              <a:t>located.state_code</a:t>
+            </a:r>
+            <a:r>
+              <a:rPr lang="en-US" dirty="0" smtClean="0"/>
+              <a:t> = </a:t>
+            </a:r>
+            <a:r>
+              <a:rPr lang="en-US" dirty="0" err="1" smtClean="0"/>
+              <a:t>states.code</a:t>
+            </a:r>
+            <a:r>
+              <a:rPr lang="en-US" dirty="0" smtClean="0"/>
+              <a:t>;</a:t>
+            </a:r>
+          </a:p>
+          <a:p>
+            <a:r>
+              <a:rPr lang="en-US" dirty="0" smtClean="0"/>
+              <a:t>To calculate averages:</a:t>
+            </a:r>
+          </a:p>
+          <a:p>
+            <a:pPr lvl="1"/>
+            <a:r>
+              <a:rPr lang="en-US" dirty="0" smtClean="0"/>
+              <a:t>SELECT </a:t>
+            </a:r>
+            <a:r>
+              <a:rPr lang="en-US" dirty="0"/>
+              <a:t>AVG(</a:t>
+            </a:r>
+            <a:r>
+              <a:rPr lang="en-US" dirty="0" err="1"/>
+              <a:t>retention_rate</a:t>
+            </a:r>
+            <a:r>
+              <a:rPr lang="en-US" dirty="0"/>
+              <a:t>) AS </a:t>
+            </a:r>
+            <a:r>
+              <a:rPr lang="en-US" dirty="0" err="1"/>
+              <a:t>retention_rate</a:t>
+            </a:r>
+            <a:r>
+              <a:rPr lang="en-US" dirty="0"/>
+              <a:t>, AVG(</a:t>
+            </a:r>
+            <a:r>
+              <a:rPr lang="en-US" dirty="0" err="1"/>
+              <a:t>graduation_rate</a:t>
+            </a:r>
+            <a:r>
+              <a:rPr lang="en-US" dirty="0"/>
+              <a:t>) AS </a:t>
+            </a:r>
+            <a:r>
+              <a:rPr lang="en-US" dirty="0" err="1"/>
+              <a:t>graduation_rate</a:t>
+            </a:r>
+            <a:r>
+              <a:rPr lang="en-US" dirty="0"/>
+              <a:t>, ROUND(AVG(</a:t>
+            </a:r>
+            <a:r>
+              <a:rPr lang="en-US" dirty="0" err="1"/>
+              <a:t>in_state_tuition</a:t>
+            </a:r>
+            <a:r>
+              <a:rPr lang="en-US" dirty="0"/>
+              <a:t>), 2) AS </a:t>
+            </a:r>
+            <a:r>
+              <a:rPr lang="en-US" dirty="0" err="1"/>
+              <a:t>in_state_tuition</a:t>
+            </a:r>
+            <a:r>
+              <a:rPr lang="en-US" dirty="0"/>
+              <a:t>, ROUND(AVG(</a:t>
+            </a:r>
+            <a:r>
+              <a:rPr lang="en-US" dirty="0" err="1"/>
+              <a:t>out_of_state_tuition</a:t>
+            </a:r>
+            <a:r>
+              <a:rPr lang="en-US" dirty="0"/>
+              <a:t>), 2) AS </a:t>
+            </a:r>
+            <a:r>
+              <a:rPr lang="en-US" dirty="0" err="1"/>
+              <a:t>out_of_state_tuition</a:t>
+            </a:r>
+            <a:r>
+              <a:rPr lang="en-US" dirty="0"/>
+              <a:t>, ROUND(AVG(</a:t>
+            </a:r>
+            <a:r>
+              <a:rPr lang="en-US" dirty="0" err="1"/>
+              <a:t>average_student_debt</a:t>
+            </a:r>
+            <a:r>
+              <a:rPr lang="en-US" dirty="0"/>
+              <a:t>), 2) AS </a:t>
+            </a:r>
+            <a:r>
+              <a:rPr lang="en-US" dirty="0" err="1"/>
+              <a:t>average_student_debt</a:t>
+            </a:r>
+            <a:r>
+              <a:rPr lang="en-US" dirty="0"/>
+              <a:t>, ROUND(AVG((</a:t>
+            </a:r>
+            <a:r>
+              <a:rPr lang="en-US" dirty="0" err="1"/>
+              <a:t>salary_twentyfive</a:t>
+            </a:r>
+            <a:r>
+              <a:rPr lang="en-US" dirty="0"/>
+              <a:t> + </a:t>
+            </a:r>
+            <a:r>
+              <a:rPr lang="en-US" dirty="0" err="1"/>
+              <a:t>salary_seventyfive</a:t>
+            </a:r>
+            <a:r>
+              <a:rPr lang="en-US" dirty="0"/>
+              <a:t>) / 2), 2) AS </a:t>
+            </a:r>
+            <a:r>
+              <a:rPr lang="en-US" dirty="0" err="1"/>
+              <a:t>average_income</a:t>
+            </a:r>
+            <a:r>
+              <a:rPr lang="en-US" dirty="0"/>
+              <a:t> FROM schools</a:t>
+            </a:r>
+            <a:r>
+              <a:rPr lang="en-US" dirty="0" smtClean="0"/>
+              <a:t>;</a:t>
+            </a:r>
+            <a:endParaRPr lang="en-US" dirty="0"/>
+          </a:p>
+        </p:txBody>
+      </p:sp>
+    </p:spTree>
+    <p:extLst>
+      <p:ext uri="{BB962C8B-B14F-4D97-AF65-F5344CB8AC3E}">
+        <p14:creationId xmlns:p14="http://schemas.microsoft.com/office/powerpoint/2010/main" val="4261218627"/>
+      </p:ext>
+    </p:extLst>
+  </p:cSld>
+  <p:clrMapOvr>
+    <a:masterClrMapping/>
+  </p:clrMapOvr>
+</p:sld>
+</file>
+
+<file path=ppt/slides/slide23.xml><?xml version="1.0" encoding="utf-8"?>
+<p:sld xmlns:a="http://schemas.openxmlformats.org/drawingml/2006/main" xmlns:r="http://schemas.openxmlformats.org/officeDocument/2006/relationships" xmlns:p="http://schemas.openxmlformats.org/presentationml/2006/main">
+  <p:cSld>
+    <p:spTree>
+      <p:nvGrpSpPr>
+        <p:cNvPr id="1" name=""/>
+        <p:cNvGrpSpPr/>
+        <p:nvPr/>
+      </p:nvGrpSpPr>
+      <p:grpSpPr>
+        <a:xfrm>
+          <a:off x="0" y="0"/>
+          <a:ext cx="0" cy="0"/>
+          <a:chOff x="0" y="0"/>
+          <a:chExt cx="0" cy="0"/>
+        </a:xfrm>
+      </p:grpSpPr>
+      <p:sp>
+        <p:nvSpPr>
+          <p:cNvPr id="2" name="Title 1"/>
+          <p:cNvSpPr>
+            <a:spLocks noGrp="1"/>
+          </p:cNvSpPr>
+          <p:nvPr>
+            <p:ph type="title"/>
+          </p:nvPr>
+        </p:nvSpPr>
+        <p:spPr/>
+        <p:txBody>
+          <a:bodyPr/>
+          <a:lstStyle/>
+          <a:p>
+            <a:r>
+              <a:rPr lang="en-US" dirty="0" smtClean="0"/>
+              <a:t>More Queries</a:t>
+            </a:r>
+            <a:endParaRPr lang="en-US" dirty="0"/>
+          </a:p>
+        </p:txBody>
+      </p:sp>
+      <p:sp>
+        <p:nvSpPr>
+          <p:cNvPr id="3" name="Content Placeholder 2"/>
+          <p:cNvSpPr>
+            <a:spLocks noGrp="1"/>
+          </p:cNvSpPr>
+          <p:nvPr>
+            <p:ph idx="1"/>
+          </p:nvPr>
+        </p:nvSpPr>
+        <p:spPr/>
+        <p:txBody>
+          <a:bodyPr>
+            <a:normAutofit fontScale="77500" lnSpcReduction="20000"/>
+          </a:bodyPr>
+          <a:lstStyle/>
+          <a:p>
+            <a:r>
+              <a:rPr lang="en-US" dirty="0" smtClean="0"/>
+              <a:t>Browse schools:</a:t>
+            </a:r>
+          </a:p>
+          <a:p>
+            <a:pPr lvl="1"/>
+            <a:r>
+              <a:rPr lang="en-US" dirty="0" smtClean="0"/>
+              <a:t> SELECT </a:t>
+            </a:r>
+            <a:r>
+              <a:rPr lang="en-US" dirty="0" err="1" smtClean="0"/>
+              <a:t>s.name</a:t>
+            </a:r>
+            <a:r>
+              <a:rPr lang="en-US" dirty="0" smtClean="0"/>
+              <a:t>, .2 * (1 - 1 / ((</a:t>
+            </a:r>
+            <a:r>
+              <a:rPr lang="en-US" dirty="0" err="1" smtClean="0"/>
+              <a:t>s.salary_twentyfive</a:t>
+            </a:r>
+            <a:r>
+              <a:rPr lang="en-US" dirty="0" smtClean="0"/>
+              <a:t> + </a:t>
+            </a:r>
+            <a:r>
+              <a:rPr lang="en-US" dirty="0" err="1" smtClean="0"/>
+              <a:t>s.salary_seventyfive</a:t>
+            </a:r>
+            <a:r>
+              <a:rPr lang="en-US" dirty="0" smtClean="0"/>
+              <a:t>) / 2 / ((</a:t>
+            </a:r>
+            <a:r>
+              <a:rPr lang="en-US" dirty="0" err="1" smtClean="0"/>
+              <a:t>s.in_state_tuition</a:t>
+            </a:r>
+            <a:r>
+              <a:rPr lang="en-US" dirty="0" smtClean="0"/>
+              <a:t> + </a:t>
+            </a:r>
+            <a:r>
+              <a:rPr lang="en-US" dirty="0" err="1" smtClean="0"/>
+              <a:t>s.out_of_state_tuition</a:t>
+            </a:r>
+            <a:r>
+              <a:rPr lang="en-US" dirty="0" smtClean="0"/>
+              <a:t>) / 2)) / 5) + .1 * (1 - 1 / (100000 / ((</a:t>
+            </a:r>
+            <a:r>
+              <a:rPr lang="en-US" dirty="0" err="1" smtClean="0"/>
+              <a:t>s.in_state_tuition</a:t>
+            </a:r>
+            <a:r>
+              <a:rPr lang="en-US" dirty="0" smtClean="0"/>
+              <a:t> + </a:t>
+            </a:r>
+            <a:r>
+              <a:rPr lang="en-US" dirty="0" err="1" smtClean="0"/>
+              <a:t>s.out_of_state_tuition</a:t>
+            </a:r>
+            <a:r>
+              <a:rPr lang="en-US" dirty="0" smtClean="0"/>
+              <a:t> + 2 * </a:t>
+            </a:r>
+            <a:r>
+              <a:rPr lang="en-US" dirty="0" err="1" smtClean="0"/>
+              <a:t>s.average_student_debt</a:t>
+            </a:r>
+            <a:r>
+              <a:rPr lang="en-US" dirty="0" smtClean="0"/>
+              <a:t>) / 4))) + .1 * </a:t>
+            </a:r>
+            <a:r>
+              <a:rPr lang="en-US" dirty="0" err="1" smtClean="0"/>
+              <a:t>st.score</a:t>
+            </a:r>
+            <a:r>
+              <a:rPr lang="en-US" dirty="0" smtClean="0"/>
+              <a:t> / 100 + .3 * </a:t>
+            </a:r>
+            <a:r>
+              <a:rPr lang="en-US" dirty="0" err="1" smtClean="0"/>
+              <a:t>s.graduation_rate</a:t>
+            </a:r>
+            <a:r>
+              <a:rPr lang="en-US" dirty="0" smtClean="0"/>
+              <a:t> + .3 * </a:t>
+            </a:r>
+            <a:r>
+              <a:rPr lang="en-US" dirty="0" err="1" smtClean="0"/>
+              <a:t>s.retention_rate</a:t>
+            </a:r>
+            <a:r>
+              <a:rPr lang="en-US" dirty="0" smtClean="0"/>
+              <a:t> AS 'score', </a:t>
+            </a:r>
+            <a:r>
+              <a:rPr lang="en-US" dirty="0" err="1" smtClean="0"/>
+              <a:t>s.city</a:t>
+            </a:r>
+            <a:r>
+              <a:rPr lang="en-US" dirty="0" smtClean="0"/>
+              <a:t>, </a:t>
+            </a:r>
+            <a:r>
+              <a:rPr lang="en-US" dirty="0" err="1" smtClean="0"/>
+              <a:t>s.in_state_tuition</a:t>
+            </a:r>
+            <a:r>
+              <a:rPr lang="en-US" dirty="0" smtClean="0"/>
+              <a:t>, </a:t>
+            </a:r>
+            <a:r>
+              <a:rPr lang="en-US" dirty="0" err="1" smtClean="0"/>
+              <a:t>s.out_of_state_tuition</a:t>
+            </a:r>
+            <a:r>
+              <a:rPr lang="en-US" dirty="0" smtClean="0"/>
+              <a:t>, (</a:t>
+            </a:r>
+            <a:r>
+              <a:rPr lang="en-US" dirty="0" err="1" smtClean="0"/>
+              <a:t>s.salary_twentyfive</a:t>
+            </a:r>
+            <a:r>
+              <a:rPr lang="en-US" dirty="0" smtClean="0"/>
+              <a:t> + </a:t>
+            </a:r>
+            <a:r>
+              <a:rPr lang="en-US" dirty="0" err="1" smtClean="0"/>
+              <a:t>s.salary_seventyfive</a:t>
+            </a:r>
+            <a:r>
+              <a:rPr lang="en-US" dirty="0" smtClean="0"/>
+              <a:t>) / 2 AS '</a:t>
+            </a:r>
+            <a:r>
+              <a:rPr lang="en-US" dirty="0" err="1" smtClean="0"/>
+              <a:t>average_salary</a:t>
+            </a:r>
+            <a:r>
+              <a:rPr lang="en-US" dirty="0" smtClean="0"/>
+              <a:t>', </a:t>
+            </a:r>
+            <a:r>
+              <a:rPr lang="en-US" dirty="0" err="1" smtClean="0"/>
+              <a:t>st.name</a:t>
+            </a:r>
+            <a:r>
+              <a:rPr lang="en-US" dirty="0" smtClean="0"/>
+              <a:t> AS 'state' FROM schools s, located l, states </a:t>
+            </a:r>
+            <a:r>
+              <a:rPr lang="en-US" dirty="0" err="1" smtClean="0"/>
+              <a:t>st</a:t>
+            </a:r>
+            <a:r>
+              <a:rPr lang="en-US" dirty="0" smtClean="0"/>
+              <a:t> WHERE </a:t>
+            </a:r>
+            <a:r>
+              <a:rPr lang="en-US" dirty="0" err="1" smtClean="0"/>
+              <a:t>s.in_state_tuition</a:t>
+            </a:r>
+            <a:r>
+              <a:rPr lang="en-US" dirty="0" smtClean="0"/>
+              <a:t> </a:t>
+            </a:r>
+            <a:r>
+              <a:rPr lang="en-US" dirty="0" smtClean="0"/>
+              <a:t>&gt;= </a:t>
+            </a:r>
+            <a:r>
+              <a:rPr lang="en-US" dirty="0" smtClean="0"/>
+              <a:t>? AND </a:t>
+            </a:r>
+            <a:r>
+              <a:rPr lang="en-US" dirty="0" err="1" smtClean="0"/>
+              <a:t>s.in_state_tuition</a:t>
+            </a:r>
+            <a:r>
+              <a:rPr lang="en-US" dirty="0" smtClean="0"/>
+              <a:t> </a:t>
+            </a:r>
+            <a:r>
+              <a:rPr lang="en-US" dirty="0" smtClean="0"/>
+              <a:t>&lt;= </a:t>
+            </a:r>
+            <a:r>
+              <a:rPr lang="en-US" dirty="0" smtClean="0"/>
+              <a:t>? AND </a:t>
+            </a:r>
+            <a:r>
+              <a:rPr lang="en-US" dirty="0" err="1" smtClean="0"/>
+              <a:t>s.out_of_state_tuition</a:t>
+            </a:r>
+            <a:r>
+              <a:rPr lang="en-US" dirty="0" smtClean="0"/>
+              <a:t> </a:t>
+            </a:r>
+            <a:r>
+              <a:rPr lang="en-US" dirty="0" smtClean="0"/>
+              <a:t>&gt;= </a:t>
+            </a:r>
+            <a:r>
+              <a:rPr lang="en-US" dirty="0" smtClean="0"/>
+              <a:t>? AND </a:t>
+            </a:r>
+            <a:r>
+              <a:rPr lang="en-US" dirty="0" err="1" smtClean="0"/>
+              <a:t>s.out_of_state_tuition</a:t>
+            </a:r>
+            <a:r>
+              <a:rPr lang="en-US" dirty="0" smtClean="0"/>
+              <a:t> </a:t>
+            </a:r>
+            <a:r>
+              <a:rPr lang="en-US" dirty="0" smtClean="0"/>
+              <a:t>&lt;= </a:t>
+            </a:r>
+            <a:r>
+              <a:rPr lang="en-US" dirty="0" smtClean="0"/>
+              <a:t>? AND (</a:t>
+            </a:r>
+            <a:r>
+              <a:rPr lang="en-US" dirty="0" err="1" smtClean="0"/>
+              <a:t>s.salary_twentyfive</a:t>
+            </a:r>
+            <a:r>
+              <a:rPr lang="en-US" dirty="0" smtClean="0"/>
+              <a:t> + </a:t>
+            </a:r>
+            <a:r>
+              <a:rPr lang="en-US" dirty="0" err="1" smtClean="0"/>
+              <a:t>s.salary_seventyfive</a:t>
+            </a:r>
+            <a:r>
+              <a:rPr lang="en-US" dirty="0" smtClean="0"/>
+              <a:t>) / 2 </a:t>
+            </a:r>
+            <a:r>
+              <a:rPr lang="en-US" dirty="0" smtClean="0"/>
+              <a:t>&gt;= </a:t>
+            </a:r>
+            <a:r>
+              <a:rPr lang="en-US" dirty="0" smtClean="0"/>
+              <a:t>? AND (</a:t>
+            </a:r>
+            <a:r>
+              <a:rPr lang="en-US" dirty="0" err="1" smtClean="0"/>
+              <a:t>s.salary_twentyfive</a:t>
+            </a:r>
+            <a:r>
+              <a:rPr lang="en-US" dirty="0" smtClean="0"/>
+              <a:t> + </a:t>
+            </a:r>
+            <a:r>
+              <a:rPr lang="en-US" dirty="0" err="1" smtClean="0"/>
+              <a:t>s.salary_seventyfive</a:t>
+            </a:r>
+            <a:r>
+              <a:rPr lang="en-US" dirty="0" smtClean="0"/>
+              <a:t>) / </a:t>
+            </a:r>
+            <a:r>
+              <a:rPr lang="en-US" smtClean="0"/>
+              <a:t>2 </a:t>
+            </a:r>
+            <a:r>
+              <a:rPr lang="en-US" smtClean="0"/>
+              <a:t>&lt;= </a:t>
+            </a:r>
+            <a:r>
+              <a:rPr lang="en-US" dirty="0" smtClean="0"/>
+              <a:t>? AND </a:t>
+            </a:r>
+            <a:r>
+              <a:rPr lang="en-US" dirty="0" err="1" smtClean="0"/>
+              <a:t>s.name</a:t>
+            </a:r>
+            <a:r>
+              <a:rPr lang="en-US" dirty="0" smtClean="0"/>
+              <a:t> = </a:t>
+            </a:r>
+            <a:r>
+              <a:rPr lang="en-US" dirty="0" err="1" smtClean="0"/>
+              <a:t>l.school</a:t>
+            </a:r>
+            <a:r>
+              <a:rPr lang="en-US" dirty="0" smtClean="0"/>
+              <a:t> AND </a:t>
+            </a:r>
+            <a:r>
+              <a:rPr lang="en-US" dirty="0" err="1" smtClean="0"/>
+              <a:t>l.state_code</a:t>
+            </a:r>
+            <a:r>
+              <a:rPr lang="en-US" dirty="0" smtClean="0"/>
+              <a:t> = </a:t>
+            </a:r>
+            <a:r>
+              <a:rPr lang="en-US" dirty="0" err="1" smtClean="0"/>
+              <a:t>st.code</a:t>
+            </a:r>
+            <a:r>
+              <a:rPr lang="en-US" dirty="0" smtClean="0"/>
+              <a:t> AND </a:t>
+            </a:r>
+            <a:r>
+              <a:rPr lang="en-US" dirty="0" err="1" smtClean="0"/>
+              <a:t>l.state_code</a:t>
+            </a:r>
+            <a:r>
+              <a:rPr lang="en-US" dirty="0" smtClean="0"/>
+              <a:t> = ? ORDER BY " . $</a:t>
+            </a:r>
+            <a:r>
+              <a:rPr lang="en-US" dirty="0" err="1" smtClean="0"/>
+              <a:t>sort_by</a:t>
+            </a:r>
+            <a:r>
+              <a:rPr lang="en-US" dirty="0" smtClean="0"/>
+              <a:t> . " ASC LIMIT ?;</a:t>
+            </a:r>
+            <a:endParaRPr lang="en-US" dirty="0"/>
+          </a:p>
+        </p:txBody>
+      </p:sp>
+    </p:spTree>
+    <p:extLst>
+      <p:ext uri="{BB962C8B-B14F-4D97-AF65-F5344CB8AC3E}">
+        <p14:creationId xmlns:p14="http://schemas.microsoft.com/office/powerpoint/2010/main" val="1161650658"/>
+      </p:ext>
+    </p:extLst>
+  </p:cSld>
+  <p:clrMapOvr>
+    <a:masterClrMapping/>
+  </p:clrMapOvr>
+</p:sld>
+</file>
+
+<file path=ppt/slides/slide24.xml><?xml version="1.0" encoding="utf-8"?>
+<p:sld xmlns:a="http://schemas.openxmlformats.org/drawingml/2006/main" xmlns:r="http://schemas.openxmlformats.org/officeDocument/2006/relationships" xmlns:p="http://schemas.openxmlformats.org/presentationml/2006/main">
+  <p:cSld>
+    <p:spTree>
+      <p:nvGrpSpPr>
+        <p:cNvPr id="1" name=""/>
+        <p:cNvGrpSpPr/>
+        <p:nvPr/>
+      </p:nvGrpSpPr>
+      <p:grpSpPr>
+        <a:xfrm>
+          <a:off x="0" y="0"/>
+          <a:ext cx="0" cy="0"/>
+          <a:chOff x="0" y="0"/>
+          <a:chExt cx="0" cy="0"/>
+        </a:xfrm>
+      </p:grpSpPr>
+      <p:sp>
+        <p:nvSpPr>
+          <p:cNvPr id="2" name="Title 1"/>
+          <p:cNvSpPr>
+            <a:spLocks noGrp="1"/>
+          </p:cNvSpPr>
+          <p:nvPr>
+            <p:ph type="title"/>
+          </p:nvPr>
+        </p:nvSpPr>
+        <p:spPr/>
+        <p:txBody>
+          <a:bodyPr/>
+          <a:lstStyle/>
+          <a:p>
+            <a:r>
+              <a:rPr lang="en-US" dirty="0" smtClean="0"/>
+              <a:t>More Queries</a:t>
+            </a:r>
+            <a:endParaRPr lang="en-US" dirty="0"/>
+          </a:p>
+        </p:txBody>
+      </p:sp>
+      <p:sp>
+        <p:nvSpPr>
+          <p:cNvPr id="3" name="Content Placeholder 2"/>
+          <p:cNvSpPr>
+            <a:spLocks noGrp="1"/>
+          </p:cNvSpPr>
+          <p:nvPr>
+            <p:ph idx="1"/>
+          </p:nvPr>
+        </p:nvSpPr>
+        <p:spPr/>
+        <p:txBody>
+          <a:bodyPr>
+            <a:normAutofit fontScale="77500" lnSpcReduction="20000"/>
+          </a:bodyPr>
+          <a:lstStyle/>
+          <a:p>
+            <a:r>
+              <a:rPr lang="en-US" dirty="0" smtClean="0"/>
+              <a:t>Browse by state:</a:t>
+            </a:r>
+          </a:p>
+          <a:p>
+            <a:pPr lvl="1"/>
+            <a:r>
+              <a:rPr lang="en-US" dirty="0" smtClean="0"/>
+              <a:t> SELECT </a:t>
+            </a:r>
+            <a:r>
+              <a:rPr lang="en-US" dirty="0" err="1" smtClean="0"/>
+              <a:t>st.name</a:t>
+            </a:r>
+            <a:r>
+              <a:rPr lang="en-US" dirty="0" smtClean="0"/>
+              <a:t>, </a:t>
+            </a:r>
+            <a:r>
+              <a:rPr lang="en-US" dirty="0" err="1" smtClean="0"/>
+              <a:t>st.score</a:t>
+            </a:r>
+            <a:r>
+              <a:rPr lang="en-US" dirty="0" smtClean="0"/>
+              <a:t>, AVG(.2 * (1 - 1 / ((</a:t>
+            </a:r>
+            <a:r>
+              <a:rPr lang="en-US" dirty="0" err="1" smtClean="0"/>
+              <a:t>s.salary_twentyfive</a:t>
+            </a:r>
+            <a:r>
+              <a:rPr lang="en-US" dirty="0" smtClean="0"/>
+              <a:t> + </a:t>
+            </a:r>
+            <a:r>
+              <a:rPr lang="en-US" dirty="0" err="1" smtClean="0"/>
+              <a:t>s.salary_seventyfive</a:t>
+            </a:r>
+            <a:r>
+              <a:rPr lang="en-US" dirty="0" smtClean="0"/>
+              <a:t>) / 2 / ((</a:t>
+            </a:r>
+            <a:r>
+              <a:rPr lang="en-US" dirty="0" err="1" smtClean="0"/>
+              <a:t>s.in_state_tuition</a:t>
+            </a:r>
+            <a:r>
+              <a:rPr lang="en-US" dirty="0" smtClean="0"/>
+              <a:t> + </a:t>
+            </a:r>
+            <a:r>
+              <a:rPr lang="en-US" dirty="0" err="1" smtClean="0"/>
+              <a:t>s.out_of_state_tuition</a:t>
+            </a:r>
+            <a:r>
+              <a:rPr lang="en-US" dirty="0" smtClean="0"/>
+              <a:t>) / 2)) / 5) + .1 * (1 - 1 / (100000 / ((</a:t>
+            </a:r>
+            <a:r>
+              <a:rPr lang="en-US" dirty="0" err="1" smtClean="0"/>
+              <a:t>s.in_state_tuition</a:t>
+            </a:r>
+            <a:r>
+              <a:rPr lang="en-US" dirty="0" smtClean="0"/>
+              <a:t> + </a:t>
+            </a:r>
+            <a:r>
+              <a:rPr lang="en-US" dirty="0" err="1" smtClean="0"/>
+              <a:t>s.out_of_state_tuition</a:t>
+            </a:r>
+            <a:r>
+              <a:rPr lang="en-US" dirty="0" smtClean="0"/>
+              <a:t> + 2 * </a:t>
+            </a:r>
+            <a:r>
+              <a:rPr lang="en-US" dirty="0" err="1" smtClean="0"/>
+              <a:t>s.average_student_debt</a:t>
+            </a:r>
+            <a:r>
+              <a:rPr lang="en-US" dirty="0" smtClean="0"/>
+              <a:t>) / 4))) + .1 * </a:t>
+            </a:r>
+            <a:r>
+              <a:rPr lang="en-US" dirty="0" err="1" smtClean="0"/>
+              <a:t>st.score</a:t>
+            </a:r>
+            <a:r>
+              <a:rPr lang="en-US" dirty="0" smtClean="0"/>
+              <a:t> / 100 + .3 * </a:t>
+            </a:r>
+            <a:r>
+              <a:rPr lang="en-US" dirty="0" err="1" smtClean="0"/>
+              <a:t>s.graduation_rate</a:t>
+            </a:r>
+            <a:r>
+              <a:rPr lang="en-US" dirty="0" smtClean="0"/>
+              <a:t> + .3 * </a:t>
+            </a:r>
+            <a:r>
+              <a:rPr lang="en-US" dirty="0" err="1" smtClean="0"/>
+              <a:t>s.retention_rate</a:t>
+            </a:r>
+            <a:r>
+              <a:rPr lang="en-US" dirty="0" smtClean="0"/>
+              <a:t>) AS '</a:t>
+            </a:r>
+            <a:r>
+              <a:rPr lang="en-US" dirty="0" err="1" smtClean="0"/>
+              <a:t>average_school_score</a:t>
+            </a:r>
+            <a:r>
+              <a:rPr lang="en-US" dirty="0" smtClean="0"/>
+              <a:t>', ROUND(AVG(</a:t>
+            </a:r>
+            <a:r>
+              <a:rPr lang="en-US" dirty="0" err="1" smtClean="0"/>
+              <a:t>s.in_state_tuition</a:t>
+            </a:r>
+            <a:r>
+              <a:rPr lang="en-US" dirty="0" smtClean="0"/>
+              <a:t>), 2) AS '</a:t>
+            </a:r>
+            <a:r>
+              <a:rPr lang="en-US" dirty="0" err="1" smtClean="0"/>
+              <a:t>average_in_state_tuition</a:t>
+            </a:r>
+            <a:r>
+              <a:rPr lang="en-US" dirty="0" smtClean="0"/>
+              <a:t>', ROUND(AVG(</a:t>
+            </a:r>
+            <a:r>
+              <a:rPr lang="en-US" dirty="0" err="1" smtClean="0"/>
+              <a:t>s.out_of_state_tuition</a:t>
+            </a:r>
+            <a:r>
+              <a:rPr lang="en-US" dirty="0" smtClean="0"/>
+              <a:t>), 2) AS '</a:t>
+            </a:r>
+            <a:r>
+              <a:rPr lang="en-US" dirty="0" err="1" smtClean="0"/>
+              <a:t>average_out_of_state_tuition</a:t>
+            </a:r>
+            <a:r>
+              <a:rPr lang="en-US" dirty="0" smtClean="0"/>
+              <a:t>', </a:t>
+            </a:r>
+            <a:r>
+              <a:rPr lang="en-US" dirty="0" err="1" smtClean="0"/>
+              <a:t>st.avg_salary</a:t>
+            </a:r>
+            <a:r>
+              <a:rPr lang="en-US" dirty="0" smtClean="0"/>
+              <a:t> FROM schools s, located l, states </a:t>
+            </a:r>
+            <a:r>
+              <a:rPr lang="en-US" dirty="0" err="1" smtClean="0"/>
+              <a:t>st</a:t>
+            </a:r>
+            <a:r>
+              <a:rPr lang="en-US" dirty="0" smtClean="0"/>
+              <a:t> WHERE </a:t>
+            </a:r>
+            <a:r>
+              <a:rPr lang="en-US" dirty="0" err="1" smtClean="0"/>
+              <a:t>s.name</a:t>
+            </a:r>
+            <a:r>
+              <a:rPr lang="en-US" dirty="0" smtClean="0"/>
+              <a:t> = </a:t>
+            </a:r>
+            <a:r>
+              <a:rPr lang="en-US" dirty="0" err="1" smtClean="0"/>
+              <a:t>l.school</a:t>
+            </a:r>
+            <a:r>
+              <a:rPr lang="en-US" dirty="0" smtClean="0"/>
+              <a:t> AND </a:t>
+            </a:r>
+            <a:r>
+              <a:rPr lang="en-US" dirty="0" err="1" smtClean="0"/>
+              <a:t>l.state_code</a:t>
+            </a:r>
+            <a:r>
+              <a:rPr lang="en-US" dirty="0" smtClean="0"/>
+              <a:t> = </a:t>
+            </a:r>
+            <a:r>
+              <a:rPr lang="en-US" dirty="0" err="1" smtClean="0"/>
+              <a:t>st.code</a:t>
+            </a:r>
+            <a:r>
+              <a:rPr lang="en-US" dirty="0" smtClean="0"/>
+              <a:t> AND </a:t>
+            </a:r>
+            <a:r>
+              <a:rPr lang="en-US" dirty="0" err="1" smtClean="0"/>
+              <a:t>st.code</a:t>
+            </a:r>
+            <a:r>
+              <a:rPr lang="en-US" dirty="0" smtClean="0"/>
+              <a:t> = ? GROUP BY </a:t>
+            </a:r>
+            <a:r>
+              <a:rPr lang="en-US" dirty="0" err="1" smtClean="0"/>
+              <a:t>st.name</a:t>
+            </a:r>
+            <a:r>
+              <a:rPr lang="en-US" dirty="0" smtClean="0"/>
+              <a:t> ASC ORDER BY " . $</a:t>
+            </a:r>
+            <a:r>
+              <a:rPr lang="en-US" dirty="0" err="1" smtClean="0"/>
+              <a:t>sort_by</a:t>
+            </a:r>
+            <a:r>
+              <a:rPr lang="en-US" dirty="0" smtClean="0"/>
+              <a:t> . " DESC LIMIT ?;</a:t>
+            </a:r>
+            <a:endParaRPr lang="en-US" dirty="0"/>
+          </a:p>
+        </p:txBody>
+      </p:sp>
+    </p:spTree>
+    <p:extLst>
+      <p:ext uri="{BB962C8B-B14F-4D97-AF65-F5344CB8AC3E}">
+        <p14:creationId xmlns:p14="http://schemas.microsoft.com/office/powerpoint/2010/main" val="1942752067"/>
       </p:ext>
     </p:extLst>
   </p:cSld>
@@ -5970,32 +6603,9 @@
           <a:chExt cx="0" cy="0"/>
         </a:xfrm>
       </p:grpSpPr>
-      <p:sp>
-        <p:nvSpPr>
-          <p:cNvPr id="2" name="Title 1"/>
-          <p:cNvSpPr>
-            <a:spLocks noGrp="1"/>
-          </p:cNvSpPr>
-          <p:nvPr>
-            <p:ph type="title"/>
-          </p:nvPr>
-        </p:nvSpPr>
-        <p:spPr/>
-        <p:txBody>
-          <a:bodyPr/>
-          <a:lstStyle/>
-          <a:p>
-            <a:r>
-              <a:rPr lang="en-US" dirty="0" smtClean="0"/>
-              <a:t>Side bar</a:t>
-            </a:r>
-            <a:endParaRPr lang="en-US" dirty="0"/>
-          </a:p>
-        </p:txBody>
-      </p:sp>
       <p:pic>
         <p:nvPicPr>
-          <p:cNvPr id="4" name="Picture 3" descr="Screen Shot 2016-11-29 at 5.12.26 PM.png"/>
+          <p:cNvPr id="9" name="Picture 8" descr="Screen Shot 2016-11-30 at 5.53.25 PM.png"/>
           <p:cNvPicPr>
             <a:picLocks noChangeAspect="1"/>
           </p:cNvPicPr>
@@ -6015,14 +6625,37 @@
         </p:blipFill>
         <p:spPr>
           <a:xfrm>
-            <a:off x="173618" y="1516270"/>
-            <a:ext cx="8686800" cy="4826000"/>
+            <a:off x="267597" y="1599769"/>
+            <a:ext cx="8589164" cy="4777722"/>
           </a:xfrm>
           <a:prstGeom prst="rect">
             <a:avLst/>
           </a:prstGeom>
         </p:spPr>
       </p:pic>
+      <p:sp>
+        <p:nvSpPr>
+          <p:cNvPr id="2" name="Title 1"/>
+          <p:cNvSpPr>
+            <a:spLocks noGrp="1"/>
+          </p:cNvSpPr>
+          <p:nvPr>
+            <p:ph type="title"/>
+          </p:nvPr>
+        </p:nvSpPr>
+        <p:spPr/>
+        <p:txBody>
+          <a:bodyPr/>
+          <a:lstStyle/>
+          <a:p>
+            <a:r>
+              <a:rPr lang="en-US" dirty="0" smtClean="0"/>
+              <a:t>Side bar</a:t>
+            </a:r>
+            <a:endParaRPr lang="en-US" dirty="0"/>
+          </a:p>
+        </p:txBody>
+      </p:sp>
       <p:sp>
         <p:nvSpPr>
           <p:cNvPr id="5" name="TextBox 4"/>
@@ -6095,7 +6728,7 @@
         <p:spPr>
           <a:xfrm>
             <a:off x="1517832" y="1115559"/>
-            <a:ext cx="2931098" cy="369332"/>
+            <a:ext cx="2703309" cy="369332"/>
           </a:xfrm>
           <a:prstGeom prst="rect">
             <a:avLst/>
@@ -6110,7 +6743,7 @@
           <a:p>
             <a:r>
               <a:rPr lang="en-US" dirty="0" smtClean="0"/>
-              <a:t>Information about the school</a:t>
+              <a:t>Button to compare school</a:t>
             </a:r>
             <a:endParaRPr lang="en-US" dirty="0"/>
           </a:p>
@@ -6125,7 +6758,7 @@
         <p:spPr>
           <a:xfrm flipH="1">
             <a:off x="2029334" y="1417638"/>
-            <a:ext cx="540656" cy="933856"/>
+            <a:ext cx="540656" cy="678290"/>
           </a:xfrm>
           <a:prstGeom prst="straightConnector1">
             <a:avLst/>
@@ -6517,32 +7150,9 @@
           <a:chExt cx="0" cy="0"/>
         </a:xfrm>
       </p:grpSpPr>
-      <p:sp>
-        <p:nvSpPr>
-          <p:cNvPr id="2" name="Title 1"/>
-          <p:cNvSpPr>
-            <a:spLocks noGrp="1"/>
-          </p:cNvSpPr>
-          <p:nvPr>
-            <p:ph type="title"/>
-          </p:nvPr>
-        </p:nvSpPr>
-        <p:spPr/>
-        <p:txBody>
-          <a:bodyPr/>
-          <a:lstStyle/>
-          <a:p>
-            <a:r>
-              <a:rPr lang="en-US" dirty="0" smtClean="0"/>
-              <a:t>Browse Page</a:t>
-            </a:r>
-            <a:endParaRPr lang="en-US" dirty="0"/>
-          </a:p>
-        </p:txBody>
-      </p:sp>
       <p:pic>
         <p:nvPicPr>
-          <p:cNvPr id="4" name="Picture 3" descr="Screen Shot 2016-11-29 at 5.30.34 PM.png"/>
+          <p:cNvPr id="15" name="Picture 14" descr="Screen Shot 2016-11-30 at 5.54.38 PM.png"/>
           <p:cNvPicPr>
             <a:picLocks noChangeAspect="1"/>
           </p:cNvPicPr>
@@ -6562,8 +7172,8 @@
         </p:blipFill>
         <p:spPr>
           <a:xfrm>
-            <a:off x="0" y="1656560"/>
-            <a:ext cx="9144000" cy="5073650"/>
+            <a:off x="272254" y="1898664"/>
+            <a:ext cx="8698894" cy="4826678"/>
           </a:xfrm>
           <a:prstGeom prst="rect">
             <a:avLst/>
@@ -6572,14 +7182,37 @@
       </p:pic>
       <p:sp>
         <p:nvSpPr>
-          <p:cNvPr id="7" name="TextBox 6"/>
+          <p:cNvPr id="2" name="Title 1"/>
+          <p:cNvSpPr>
+            <a:spLocks noGrp="1"/>
+          </p:cNvSpPr>
+          <p:nvPr>
+            <p:ph type="title"/>
+          </p:nvPr>
+        </p:nvSpPr>
+        <p:spPr/>
+        <p:txBody>
+          <a:bodyPr/>
+          <a:lstStyle/>
+          <a:p>
+            <a:r>
+              <a:rPr lang="en-US" dirty="0" smtClean="0"/>
+              <a:t>Compare</a:t>
+            </a:r>
+            <a:endParaRPr lang="en-US" dirty="0"/>
+          </a:p>
+        </p:txBody>
+      </p:sp>
+      <p:sp>
+        <p:nvSpPr>
+          <p:cNvPr id="5" name="TextBox 4"/>
           <p:cNvSpPr txBox="1"/>
           <p:nvPr/>
         </p:nvSpPr>
         <p:spPr>
           <a:xfrm>
-            <a:off x="998529" y="1144948"/>
-            <a:ext cx="761747" cy="369332"/>
+            <a:off x="272254" y="1282361"/>
+            <a:ext cx="2952964" cy="369332"/>
           </a:xfrm>
           <a:prstGeom prst="rect">
             <a:avLst/>
@@ -6594,7 +7227,67 @@
           <a:p>
             <a:r>
               <a:rPr lang="en-US" dirty="0" smtClean="0"/>
-              <a:t>Filters</a:t>
+              <a:t>Button to toggle compare tab</a:t>
+            </a:r>
+            <a:endParaRPr lang="en-US" dirty="0"/>
+          </a:p>
+        </p:txBody>
+      </p:sp>
+      <p:sp>
+        <p:nvSpPr>
+          <p:cNvPr id="6" name="TextBox 5"/>
+          <p:cNvSpPr txBox="1"/>
+          <p:nvPr/>
+        </p:nvSpPr>
+        <p:spPr>
+          <a:xfrm>
+            <a:off x="5902184" y="1282361"/>
+            <a:ext cx="1932027" cy="369332"/>
+          </a:xfrm>
+          <a:prstGeom prst="rect">
+            <a:avLst/>
+          </a:prstGeom>
+          <a:noFill/>
+        </p:spPr>
+        <p:txBody>
+          <a:bodyPr wrap="none" rtlCol="0">
+            <a:spAutoFit/>
+          </a:bodyPr>
+          <a:lstStyle/>
+          <a:p>
+            <a:r>
+              <a:rPr lang="en-US" dirty="0" smtClean="0"/>
+              <a:t>Close compare tab</a:t>
+            </a:r>
+            <a:endParaRPr lang="en-US" dirty="0"/>
+          </a:p>
+        </p:txBody>
+      </p:sp>
+      <p:sp>
+        <p:nvSpPr>
+          <p:cNvPr id="7" name="TextBox 6"/>
+          <p:cNvSpPr txBox="1"/>
+          <p:nvPr/>
+        </p:nvSpPr>
+        <p:spPr>
+          <a:xfrm>
+            <a:off x="3637255" y="1282361"/>
+            <a:ext cx="1563574" cy="369332"/>
+          </a:xfrm>
+          <a:prstGeom prst="rect">
+            <a:avLst/>
+          </a:prstGeom>
+          <a:noFill/>
+        </p:spPr>
+        <p:txBody>
+          <a:bodyPr wrap="none" rtlCol="0">
+            <a:spAutoFit/>
+          </a:bodyPr>
+          <a:lstStyle/>
+          <a:p>
+            <a:r>
+              <a:rPr lang="en-US" dirty="0" smtClean="0"/>
+              <a:t>Search schools</a:t>
             </a:r>
             <a:endParaRPr lang="en-US" dirty="0"/>
           </a:p>
@@ -6607,9 +7300,9 @@
           <p:nvPr/>
         </p:nvCxnSpPr>
         <p:spPr>
-          <a:xfrm>
-            <a:off x="1546527" y="1514280"/>
-            <a:ext cx="578376" cy="1415656"/>
+          <a:xfrm flipH="1">
+            <a:off x="3637255" y="1651693"/>
+            <a:ext cx="419210" cy="986711"/>
           </a:xfrm>
           <a:prstGeom prst="straightConnector1">
             <a:avLst/>
@@ -6633,46 +7326,16 @@
           </a:fontRef>
         </p:style>
       </p:cxnSp>
-      <p:sp>
-        <p:nvSpPr>
-          <p:cNvPr id="13" name="TextBox 12"/>
-          <p:cNvSpPr txBox="1"/>
-          <p:nvPr/>
-        </p:nvSpPr>
-        <p:spPr>
-          <a:xfrm>
-            <a:off x="4500334" y="1144948"/>
-            <a:ext cx="3178499" cy="369332"/>
-          </a:xfrm>
-          <a:prstGeom prst="rect">
-            <a:avLst/>
-          </a:prstGeom>
-          <a:noFill/>
-        </p:spPr>
-        <p:txBody>
-          <a:bodyPr wrap="none" rtlCol="0">
-            <a:spAutoFit/>
-          </a:bodyPr>
-          <a:lstStyle/>
-          <a:p>
-            <a:r>
-              <a:rPr lang="en-US" dirty="0" smtClean="0"/>
-              <a:t>Browse by school name or state </a:t>
-            </a:r>
-            <a:endParaRPr lang="en-US" dirty="0"/>
-          </a:p>
-        </p:txBody>
-      </p:sp>
       <p:cxnSp>
         <p:nvCxnSpPr>
-          <p:cNvPr id="15" name="Straight Arrow Connector 14"/>
+          <p:cNvPr id="12" name="Straight Arrow Connector 11"/>
           <p:cNvCxnSpPr/>
           <p:nvPr/>
         </p:nvCxnSpPr>
         <p:spPr>
           <a:xfrm flipH="1">
-            <a:off x="5227786" y="1514280"/>
-            <a:ext cx="653472" cy="1111795"/>
+            <a:off x="4907213" y="1651693"/>
+            <a:ext cx="1479562" cy="1492199"/>
           </a:xfrm>
           <a:prstGeom prst="straightConnector1">
             <a:avLst/>
@@ -6696,46 +7359,16 @@
           </a:fontRef>
         </p:style>
       </p:cxnSp>
-      <p:sp>
-        <p:nvSpPr>
-          <p:cNvPr id="17" name="TextBox 16"/>
-          <p:cNvSpPr txBox="1"/>
-          <p:nvPr/>
-        </p:nvSpPr>
-        <p:spPr>
-          <a:xfrm>
-            <a:off x="7989633" y="1144948"/>
-            <a:ext cx="851515" cy="369332"/>
-          </a:xfrm>
-          <a:prstGeom prst="rect">
-            <a:avLst/>
-          </a:prstGeom>
-          <a:noFill/>
-        </p:spPr>
-        <p:txBody>
-          <a:bodyPr wrap="none" rtlCol="0">
-            <a:spAutoFit/>
-          </a:bodyPr>
-          <a:lstStyle/>
-          <a:p>
-            <a:r>
-              <a:rPr lang="en-US" dirty="0" smtClean="0"/>
-              <a:t>Submit</a:t>
-            </a:r>
-            <a:endParaRPr lang="en-US" dirty="0"/>
-          </a:p>
-        </p:txBody>
-      </p:sp>
       <p:cxnSp>
         <p:nvCxnSpPr>
-          <p:cNvPr id="19" name="Straight Arrow Connector 18"/>
+          <p:cNvPr id="14" name="Straight Arrow Connector 13"/>
           <p:cNvCxnSpPr/>
           <p:nvPr/>
         </p:nvCxnSpPr>
         <p:spPr>
-          <a:xfrm flipH="1">
-            <a:off x="7299172" y="1514280"/>
-            <a:ext cx="986374" cy="1415656"/>
+          <a:xfrm>
+            <a:off x="1960419" y="1651693"/>
+            <a:ext cx="86308" cy="1603160"/>
           </a:xfrm>
           <a:prstGeom prst="straightConnector1">
             <a:avLst/>
@@ -6762,7 +7395,7 @@
     </p:spTree>
     <p:extLst>
       <p:ext uri="{BB962C8B-B14F-4D97-AF65-F5344CB8AC3E}">
-        <p14:creationId xmlns:p14="http://schemas.microsoft.com/office/powerpoint/2010/main" val="1910130368"/>
+        <p14:creationId xmlns:p14="http://schemas.microsoft.com/office/powerpoint/2010/main" val="1918989422"/>
       </p:ext>
     </p:extLst>
   </p:cSld>
@@ -6789,32 +7422,9 @@
           <a:chExt cx="0" cy="0"/>
         </a:xfrm>
       </p:grpSpPr>
-      <p:sp>
-        <p:nvSpPr>
-          <p:cNvPr id="2" name="Title 1"/>
-          <p:cNvSpPr>
-            <a:spLocks noGrp="1"/>
-          </p:cNvSpPr>
-          <p:nvPr>
-            <p:ph type="title"/>
-          </p:nvPr>
-        </p:nvSpPr>
-        <p:spPr/>
-        <p:txBody>
-          <a:bodyPr/>
-          <a:lstStyle/>
-          <a:p>
-            <a:r>
-              <a:rPr lang="en-US" dirty="0" smtClean="0"/>
-              <a:t>Browse by state</a:t>
-            </a:r>
-            <a:endParaRPr lang="en-US" dirty="0"/>
-          </a:p>
-        </p:txBody>
-      </p:sp>
       <p:pic>
         <p:nvPicPr>
-          <p:cNvPr id="5" name="Picture 4" descr="Screen Shot 2016-11-29 at 5.37.15 PM.png"/>
+          <p:cNvPr id="3" name="Picture 2" descr="Screen Shot 2016-11-30 at 5.42.58 PM.png"/>
           <p:cNvPicPr>
             <a:picLocks noChangeAspect="1"/>
           </p:cNvPicPr>
@@ -6834,18 +7444,293 @@
         </p:blipFill>
         <p:spPr>
           <a:xfrm>
-            <a:off x="110967" y="1417638"/>
-            <a:ext cx="8921168" cy="4943814"/>
+            <a:off x="256987" y="1726059"/>
+            <a:ext cx="8788375" cy="4879716"/>
           </a:xfrm>
           <a:prstGeom prst="rect">
             <a:avLst/>
           </a:prstGeom>
         </p:spPr>
       </p:pic>
+      <p:sp>
+        <p:nvSpPr>
+          <p:cNvPr id="2" name="Title 1"/>
+          <p:cNvSpPr>
+            <a:spLocks noGrp="1"/>
+          </p:cNvSpPr>
+          <p:nvPr>
+            <p:ph type="title"/>
+          </p:nvPr>
+        </p:nvSpPr>
+        <p:spPr/>
+        <p:txBody>
+          <a:bodyPr/>
+          <a:lstStyle/>
+          <a:p>
+            <a:r>
+              <a:rPr lang="en-US" dirty="0" smtClean="0"/>
+              <a:t>Browse Page</a:t>
+            </a:r>
+            <a:endParaRPr lang="en-US" dirty="0"/>
+          </a:p>
+        </p:txBody>
+      </p:sp>
+      <p:sp>
+        <p:nvSpPr>
+          <p:cNvPr id="7" name="TextBox 6"/>
+          <p:cNvSpPr txBox="1"/>
+          <p:nvPr/>
+        </p:nvSpPr>
+        <p:spPr>
+          <a:xfrm>
+            <a:off x="998529" y="1144948"/>
+            <a:ext cx="761747" cy="369332"/>
+          </a:xfrm>
+          <a:prstGeom prst="rect">
+            <a:avLst/>
+          </a:prstGeom>
+          <a:noFill/>
+        </p:spPr>
+        <p:txBody>
+          <a:bodyPr wrap="none" rtlCol="0">
+            <a:spAutoFit/>
+          </a:bodyPr>
+          <a:lstStyle/>
+          <a:p>
+            <a:r>
+              <a:rPr lang="en-US" dirty="0" smtClean="0"/>
+              <a:t>Filters</a:t>
+            </a:r>
+            <a:endParaRPr lang="en-US" dirty="0"/>
+          </a:p>
+        </p:txBody>
+      </p:sp>
+      <p:cxnSp>
+        <p:nvCxnSpPr>
+          <p:cNvPr id="9" name="Straight Arrow Connector 8"/>
+          <p:cNvCxnSpPr/>
+          <p:nvPr/>
+        </p:nvCxnSpPr>
+        <p:spPr>
+          <a:xfrm>
+            <a:off x="1546527" y="1514280"/>
+            <a:ext cx="578376" cy="1415656"/>
+          </a:xfrm>
+          <a:prstGeom prst="straightConnector1">
+            <a:avLst/>
+          </a:prstGeom>
+          <a:ln>
+            <a:tailEnd type="arrow"/>
+          </a:ln>
+        </p:spPr>
+        <p:style>
+          <a:lnRef idx="2">
+            <a:schemeClr val="accent1"/>
+          </a:lnRef>
+          <a:fillRef idx="0">
+            <a:schemeClr val="accent1"/>
+          </a:fillRef>
+          <a:effectRef idx="1">
+            <a:schemeClr val="accent1"/>
+          </a:effectRef>
+          <a:fontRef idx="minor">
+            <a:schemeClr val="tx1"/>
+          </a:fontRef>
+        </p:style>
+      </p:cxnSp>
+      <p:sp>
+        <p:nvSpPr>
+          <p:cNvPr id="13" name="TextBox 12"/>
+          <p:cNvSpPr txBox="1"/>
+          <p:nvPr/>
+        </p:nvSpPr>
+        <p:spPr>
+          <a:xfrm>
+            <a:off x="4500334" y="1144948"/>
+            <a:ext cx="3178499" cy="369332"/>
+          </a:xfrm>
+          <a:prstGeom prst="rect">
+            <a:avLst/>
+          </a:prstGeom>
+          <a:noFill/>
+        </p:spPr>
+        <p:txBody>
+          <a:bodyPr wrap="none" rtlCol="0">
+            <a:spAutoFit/>
+          </a:bodyPr>
+          <a:lstStyle/>
+          <a:p>
+            <a:r>
+              <a:rPr lang="en-US" dirty="0" smtClean="0"/>
+              <a:t>Browse by school name or state </a:t>
+            </a:r>
+            <a:endParaRPr lang="en-US" dirty="0"/>
+          </a:p>
+        </p:txBody>
+      </p:sp>
+      <p:cxnSp>
+        <p:nvCxnSpPr>
+          <p:cNvPr id="15" name="Straight Arrow Connector 14"/>
+          <p:cNvCxnSpPr/>
+          <p:nvPr/>
+        </p:nvCxnSpPr>
+        <p:spPr>
+          <a:xfrm flipH="1">
+            <a:off x="5227786" y="1514280"/>
+            <a:ext cx="653472" cy="1111795"/>
+          </a:xfrm>
+          <a:prstGeom prst="straightConnector1">
+            <a:avLst/>
+          </a:prstGeom>
+          <a:ln>
+            <a:tailEnd type="arrow"/>
+          </a:ln>
+        </p:spPr>
+        <p:style>
+          <a:lnRef idx="2">
+            <a:schemeClr val="accent1"/>
+          </a:lnRef>
+          <a:fillRef idx="0">
+            <a:schemeClr val="accent1"/>
+          </a:fillRef>
+          <a:effectRef idx="1">
+            <a:schemeClr val="accent1"/>
+          </a:effectRef>
+          <a:fontRef idx="minor">
+            <a:schemeClr val="tx1"/>
+          </a:fontRef>
+        </p:style>
+      </p:cxnSp>
+      <p:sp>
+        <p:nvSpPr>
+          <p:cNvPr id="17" name="TextBox 16"/>
+          <p:cNvSpPr txBox="1"/>
+          <p:nvPr/>
+        </p:nvSpPr>
+        <p:spPr>
+          <a:xfrm>
+            <a:off x="7989633" y="1144948"/>
+            <a:ext cx="851515" cy="369332"/>
+          </a:xfrm>
+          <a:prstGeom prst="rect">
+            <a:avLst/>
+          </a:prstGeom>
+          <a:noFill/>
+        </p:spPr>
+        <p:txBody>
+          <a:bodyPr wrap="none" rtlCol="0">
+            <a:spAutoFit/>
+          </a:bodyPr>
+          <a:lstStyle/>
+          <a:p>
+            <a:r>
+              <a:rPr lang="en-US" dirty="0" smtClean="0"/>
+              <a:t>Submit</a:t>
+            </a:r>
+            <a:endParaRPr lang="en-US" dirty="0"/>
+          </a:p>
+        </p:txBody>
+      </p:sp>
+      <p:cxnSp>
+        <p:nvCxnSpPr>
+          <p:cNvPr id="19" name="Straight Arrow Connector 18"/>
+          <p:cNvCxnSpPr/>
+          <p:nvPr/>
+        </p:nvCxnSpPr>
+        <p:spPr>
+          <a:xfrm flipH="1">
+            <a:off x="7299172" y="1514280"/>
+            <a:ext cx="986374" cy="1415656"/>
+          </a:xfrm>
+          <a:prstGeom prst="straightConnector1">
+            <a:avLst/>
+          </a:prstGeom>
+          <a:ln>
+            <a:tailEnd type="arrow"/>
+          </a:ln>
+        </p:spPr>
+        <p:style>
+          <a:lnRef idx="2">
+            <a:schemeClr val="accent1"/>
+          </a:lnRef>
+          <a:fillRef idx="0">
+            <a:schemeClr val="accent1"/>
+          </a:fillRef>
+          <a:effectRef idx="1">
+            <a:schemeClr val="accent1"/>
+          </a:effectRef>
+          <a:fontRef idx="minor">
+            <a:schemeClr val="tx1"/>
+          </a:fontRef>
+        </p:style>
+      </p:cxnSp>
+      <p:sp>
+        <p:nvSpPr>
+          <p:cNvPr id="11" name="TextBox 10"/>
+          <p:cNvSpPr txBox="1"/>
+          <p:nvPr/>
+        </p:nvSpPr>
+        <p:spPr>
+          <a:xfrm>
+            <a:off x="2342640" y="1233191"/>
+            <a:ext cx="1614970" cy="369332"/>
+          </a:xfrm>
+          <a:prstGeom prst="rect">
+            <a:avLst/>
+          </a:prstGeom>
+          <a:noFill/>
+        </p:spPr>
+        <p:txBody>
+          <a:bodyPr wrap="none" rtlCol="0">
+            <a:spAutoFit/>
+          </a:bodyPr>
+          <a:lstStyle/>
+          <a:p>
+            <a:r>
+              <a:rPr lang="en-US" dirty="0" smtClean="0"/>
+              <a:t>Dynamic colors </a:t>
+            </a:r>
+            <a:endParaRPr lang="en-US" dirty="0"/>
+          </a:p>
+        </p:txBody>
+      </p:sp>
+      <p:cxnSp>
+        <p:nvCxnSpPr>
+          <p:cNvPr id="6" name="Straight Arrow Connector 5"/>
+          <p:cNvCxnSpPr/>
+          <p:nvPr/>
+        </p:nvCxnSpPr>
+        <p:spPr>
+          <a:xfrm>
+            <a:off x="3267366" y="1602523"/>
+            <a:ext cx="258923" cy="1972884"/>
+          </a:xfrm>
+          <a:prstGeom prst="straightConnector1">
+            <a:avLst/>
+          </a:prstGeom>
+          <a:ln>
+            <a:tailEnd type="arrow"/>
+          </a:ln>
+        </p:spPr>
+        <p:style>
+          <a:lnRef idx="2">
+            <a:schemeClr val="accent1"/>
+          </a:lnRef>
+          <a:fillRef idx="0">
+            <a:schemeClr val="accent1"/>
+          </a:fillRef>
+          <a:effectRef idx="1">
+            <a:schemeClr val="accent1"/>
+          </a:effectRef>
+          <a:fontRef idx="minor">
+            <a:schemeClr val="tx1"/>
+          </a:fontRef>
+        </p:style>
+      </p:cxnSp>
     </p:spTree>
     <p:extLst>
       <p:ext uri="{BB962C8B-B14F-4D97-AF65-F5344CB8AC3E}">
-        <p14:creationId xmlns:p14="http://schemas.microsoft.com/office/powerpoint/2010/main" val="4120673905"/>
+        <p14:creationId xmlns:p14="http://schemas.microsoft.com/office/powerpoint/2010/main" val="1910130368"/>
       </p:ext>
     </p:extLst>
   </p:cSld>
